--- a/推荐系统系列.pptx
+++ b/推荐系统系列.pptx
@@ -8,7 +8,7 @@
     <p:notesMasterId r:id="rId6"/>
   </p:notesMasterIdLst>
   <p:handoutMasterIdLst>
-    <p:handoutMasterId r:id="rId71"/>
+    <p:handoutMasterId r:id="rId72"/>
   </p:handoutMasterIdLst>
   <p:sldIdLst>
     <p:sldId id="256" r:id="rId3"/>
@@ -78,6 +78,7 @@
     <p:sldId id="334" r:id="rId68"/>
     <p:sldId id="335" r:id="rId69"/>
     <p:sldId id="336" r:id="rId70"/>
+    <p:sldId id="339" r:id="rId71"/>
   </p:sldIdLst>
   <p:sldSz cx="12192000" cy="6858000"/>
   <p:notesSz cx="6858000" cy="9144000"/>
@@ -351,7 +352,7 @@
           <inkml:channelProperty channel="Y" name="resolution" value="28.3464566929134" units="1/cm"/>
         </inkml:channelProperties>
       </inkml:inkSource>
-      <inkml:timestamp xml:id="ts0" timeString="2020-07-26T09:16:18"/>
+      <inkml:timestamp xml:id="ts0" timeString="2020-07-26T21:39:31"/>
     </inkml:context>
     <inkml:brush xml:id="br0">
       <inkml:brushProperty name="width" value="0.09701" units="cm"/>
@@ -378,7 +379,7 @@
           <inkml:channelProperty channel="Y" name="resolution" value="28.3464566929134" units="1/cm"/>
         </inkml:channelProperties>
       </inkml:inkSource>
-      <inkml:timestamp xml:id="ts0" timeString="2020-07-26T09:16:18"/>
+      <inkml:timestamp xml:id="ts0" timeString="2020-07-26T21:39:31"/>
     </inkml:context>
     <inkml:brush xml:id="br0">
       <inkml:brushProperty name="width" value="0.09701" units="cm"/>
@@ -405,7 +406,7 @@
           <inkml:channelProperty channel="Y" name="resolution" value="28.3464566929134" units="1/cm"/>
         </inkml:channelProperties>
       </inkml:inkSource>
-      <inkml:timestamp xml:id="ts0" timeString="2020-07-26T09:16:18"/>
+      <inkml:timestamp xml:id="ts0" timeString="2020-07-26T21:39:31"/>
     </inkml:context>
     <inkml:brush xml:id="br0">
       <inkml:brushProperty name="width" value="0.09701" units="cm"/>
@@ -432,7 +433,7 @@
           <inkml:channelProperty channel="Y" name="resolution" value="28.3464566929134" units="1/cm"/>
         </inkml:channelProperties>
       </inkml:inkSource>
-      <inkml:timestamp xml:id="ts0" timeString="2020-07-26T09:16:18"/>
+      <inkml:timestamp xml:id="ts0" timeString="2020-07-26T21:39:31"/>
     </inkml:context>
     <inkml:brush xml:id="br0">
       <inkml:brushProperty name="width" value="0.09701" units="cm"/>
@@ -459,7 +460,7 @@
           <inkml:channelProperty channel="Y" name="resolution" value="28.3464566929134" units="1/cm"/>
         </inkml:channelProperties>
       </inkml:inkSource>
-      <inkml:timestamp xml:id="ts0" timeString="2020-07-26T09:16:18"/>
+      <inkml:timestamp xml:id="ts0" timeString="2020-07-26T21:39:31"/>
     </inkml:context>
     <inkml:brush xml:id="br0">
       <inkml:brushProperty name="width" value="0.09701" units="cm"/>
@@ -486,7 +487,7 @@
           <inkml:channelProperty channel="Y" name="resolution" value="28.3464566929134" units="1/cm"/>
         </inkml:channelProperties>
       </inkml:inkSource>
-      <inkml:timestamp xml:id="ts0" timeString="2020-07-26T09:16:18"/>
+      <inkml:timestamp xml:id="ts0" timeString="2020-07-26T21:39:31"/>
     </inkml:context>
     <inkml:brush xml:id="br0">
       <inkml:brushProperty name="width" value="0.09701" units="cm"/>
@@ -513,7 +514,7 @@
           <inkml:channelProperty channel="Y" name="resolution" value="28.3464566929134" units="1/cm"/>
         </inkml:channelProperties>
       </inkml:inkSource>
-      <inkml:timestamp xml:id="ts0" timeString="2020-07-26T09:16:18"/>
+      <inkml:timestamp xml:id="ts0" timeString="2020-07-26T21:39:31"/>
     </inkml:context>
     <inkml:brush xml:id="br0">
       <inkml:brushProperty name="width" value="0.09701" units="cm"/>
@@ -540,7 +541,7 @@
           <inkml:channelProperty channel="Y" name="resolution" value="28.3464566929134" units="1/cm"/>
         </inkml:channelProperties>
       </inkml:inkSource>
-      <inkml:timestamp xml:id="ts0" timeString="2020-07-26T09:16:18"/>
+      <inkml:timestamp xml:id="ts0" timeString="2020-07-26T21:39:31"/>
     </inkml:context>
     <inkml:brush xml:id="br0">
       <inkml:brushProperty name="width" value="0.09701" units="cm"/>
@@ -567,7 +568,7 @@
           <inkml:channelProperty channel="Y" name="resolution" value="28.3464566929134" units="1/cm"/>
         </inkml:channelProperties>
       </inkml:inkSource>
-      <inkml:timestamp xml:id="ts0" timeString="2020-07-26T09:16:18"/>
+      <inkml:timestamp xml:id="ts0" timeString="2020-07-26T21:39:31"/>
     </inkml:context>
     <inkml:brush xml:id="br0">
       <inkml:brushProperty name="width" value="0.09701" units="cm"/>
@@ -594,7 +595,7 @@
           <inkml:channelProperty channel="Y" name="resolution" value="28.3464566929134" units="1/cm"/>
         </inkml:channelProperties>
       </inkml:inkSource>
-      <inkml:timestamp xml:id="ts0" timeString="2020-07-26T09:16:18"/>
+      <inkml:timestamp xml:id="ts0" timeString="2020-07-26T21:39:31"/>
     </inkml:context>
     <inkml:brush xml:id="br0">
       <inkml:brushProperty name="width" value="0.09701" units="cm"/>
@@ -621,7 +622,7 @@
           <inkml:channelProperty channel="Y" name="resolution" value="28.3464566929134" units="1/cm"/>
         </inkml:channelProperties>
       </inkml:inkSource>
-      <inkml:timestamp xml:id="ts0" timeString="2020-07-26T09:16:18"/>
+      <inkml:timestamp xml:id="ts0" timeString="2020-07-26T21:39:31"/>
     </inkml:context>
     <inkml:brush xml:id="br0">
       <inkml:brushProperty name="width" value="0.09701" units="cm"/>
@@ -648,7 +649,7 @@
           <inkml:channelProperty channel="Y" name="resolution" value="28.3464566929134" units="1/cm"/>
         </inkml:channelProperties>
       </inkml:inkSource>
-      <inkml:timestamp xml:id="ts0" timeString="2020-07-26T09:16:18"/>
+      <inkml:timestamp xml:id="ts0" timeString="2020-07-26T21:39:31"/>
     </inkml:context>
     <inkml:brush xml:id="br0">
       <inkml:brushProperty name="width" value="0.09701" units="cm"/>
@@ -675,7 +676,7 @@
           <inkml:channelProperty channel="Y" name="resolution" value="28.3464566929134" units="1/cm"/>
         </inkml:channelProperties>
       </inkml:inkSource>
-      <inkml:timestamp xml:id="ts0" timeString="2020-07-26T09:16:18"/>
+      <inkml:timestamp xml:id="ts0" timeString="2020-07-26T21:39:31"/>
     </inkml:context>
     <inkml:brush xml:id="br0">
       <inkml:brushProperty name="width" value="0.09701" units="cm"/>
@@ -702,7 +703,7 @@
           <inkml:channelProperty channel="Y" name="resolution" value="28.3464566929134" units="1/cm"/>
         </inkml:channelProperties>
       </inkml:inkSource>
-      <inkml:timestamp xml:id="ts0" timeString="2020-07-26T09:16:18"/>
+      <inkml:timestamp xml:id="ts0" timeString="2020-07-26T21:39:31"/>
     </inkml:context>
     <inkml:brush xml:id="br0">
       <inkml:brushProperty name="width" value="0.09701" units="cm"/>
@@ -729,7 +730,7 @@
           <inkml:channelProperty channel="Y" name="resolution" value="28.3464566929134" units="1/cm"/>
         </inkml:channelProperties>
       </inkml:inkSource>
-      <inkml:timestamp xml:id="ts0" timeString="2020-07-26T09:16:18"/>
+      <inkml:timestamp xml:id="ts0" timeString="2020-07-26T21:39:31"/>
     </inkml:context>
     <inkml:brush xml:id="br0">
       <inkml:brushProperty name="width" value="0.09701" units="cm"/>
@@ -756,7 +757,7 @@
           <inkml:channelProperty channel="Y" name="resolution" value="28.3464566929134" units="1/cm"/>
         </inkml:channelProperties>
       </inkml:inkSource>
-      <inkml:timestamp xml:id="ts0" timeString="2020-07-26T09:16:18"/>
+      <inkml:timestamp xml:id="ts0" timeString="2020-07-26T21:39:31"/>
     </inkml:context>
     <inkml:brush xml:id="br0">
       <inkml:brushProperty name="width" value="0.09701" units="cm"/>
@@ -783,7 +784,7 @@
           <inkml:channelProperty channel="Y" name="resolution" value="28.3464566929134" units="1/cm"/>
         </inkml:channelProperties>
       </inkml:inkSource>
-      <inkml:timestamp xml:id="ts0" timeString="2020-07-26T09:16:18"/>
+      <inkml:timestamp xml:id="ts0" timeString="2020-07-26T21:39:31"/>
     </inkml:context>
     <inkml:brush xml:id="br0">
       <inkml:brushProperty name="width" value="0.09701" units="cm"/>
@@ -810,7 +811,7 @@
           <inkml:channelProperty channel="Y" name="resolution" value="28.3464566929134" units="1/cm"/>
         </inkml:channelProperties>
       </inkml:inkSource>
-      <inkml:timestamp xml:id="ts0" timeString="2020-07-26T09:16:18"/>
+      <inkml:timestamp xml:id="ts0" timeString="2020-07-26T21:39:31"/>
     </inkml:context>
     <inkml:brush xml:id="br0">
       <inkml:brushProperty name="width" value="0.09701" units="cm"/>
@@ -837,7 +838,7 @@
           <inkml:channelProperty channel="Y" name="resolution" value="28.3464566929134" units="1/cm"/>
         </inkml:channelProperties>
       </inkml:inkSource>
-      <inkml:timestamp xml:id="ts0" timeString="2020-07-26T09:16:18"/>
+      <inkml:timestamp xml:id="ts0" timeString="2020-07-26T21:39:31"/>
     </inkml:context>
     <inkml:brush xml:id="br0">
       <inkml:brushProperty name="width" value="0.09701" units="cm"/>
@@ -864,7 +865,7 @@
           <inkml:channelProperty channel="Y" name="resolution" value="28.3464566929134" units="1/cm"/>
         </inkml:channelProperties>
       </inkml:inkSource>
-      <inkml:timestamp xml:id="ts0" timeString="2020-07-26T09:16:18"/>
+      <inkml:timestamp xml:id="ts0" timeString="2020-07-26T21:39:31"/>
     </inkml:context>
     <inkml:brush xml:id="br0">
       <inkml:brushProperty name="width" value="0.09701" units="cm"/>
@@ -891,7 +892,7 @@
           <inkml:channelProperty channel="Y" name="resolution" value="28.3464566929134" units="1/cm"/>
         </inkml:channelProperties>
       </inkml:inkSource>
-      <inkml:timestamp xml:id="ts0" timeString="2020-07-26T09:16:18"/>
+      <inkml:timestamp xml:id="ts0" timeString="2020-07-26T21:39:31"/>
     </inkml:context>
     <inkml:brush xml:id="br0">
       <inkml:brushProperty name="width" value="0.09701" units="cm"/>
@@ -918,7 +919,7 @@
           <inkml:channelProperty channel="Y" name="resolution" value="28.3464566929134" units="1/cm"/>
         </inkml:channelProperties>
       </inkml:inkSource>
-      <inkml:timestamp xml:id="ts0" timeString="2020-07-26T09:16:18"/>
+      <inkml:timestamp xml:id="ts0" timeString="2020-07-26T21:39:31"/>
     </inkml:context>
     <inkml:brush xml:id="br0">
       <inkml:brushProperty name="width" value="0.09701" units="cm"/>
@@ -945,7 +946,7 @@
           <inkml:channelProperty channel="Y" name="resolution" value="28.3464566929134" units="1/cm"/>
         </inkml:channelProperties>
       </inkml:inkSource>
-      <inkml:timestamp xml:id="ts0" timeString="2020-07-26T09:16:18"/>
+      <inkml:timestamp xml:id="ts0" timeString="2020-07-26T21:39:31"/>
     </inkml:context>
     <inkml:brush xml:id="br0">
       <inkml:brushProperty name="width" value="0.09701" units="cm"/>
@@ -972,7 +973,7 @@
           <inkml:channelProperty channel="Y" name="resolution" value="28.3464566929134" units="1/cm"/>
         </inkml:channelProperties>
       </inkml:inkSource>
-      <inkml:timestamp xml:id="ts0" timeString="2020-07-26T09:16:18"/>
+      <inkml:timestamp xml:id="ts0" timeString="2020-07-26T21:39:31"/>
     </inkml:context>
     <inkml:brush xml:id="br0">
       <inkml:brushProperty name="width" value="0.09701" units="cm"/>
@@ -999,7 +1000,7 @@
           <inkml:channelProperty channel="Y" name="resolution" value="28.3464566929134" units="1/cm"/>
         </inkml:channelProperties>
       </inkml:inkSource>
-      <inkml:timestamp xml:id="ts0" timeString="2020-07-26T09:16:18"/>
+      <inkml:timestamp xml:id="ts0" timeString="2020-07-26T21:39:31"/>
     </inkml:context>
     <inkml:brush xml:id="br0">
       <inkml:brushProperty name="width" value="0.09701" units="cm"/>
@@ -1026,7 +1027,7 @@
           <inkml:channelProperty channel="Y" name="resolution" value="28.3464566929134" units="1/cm"/>
         </inkml:channelProperties>
       </inkml:inkSource>
-      <inkml:timestamp xml:id="ts0" timeString="2020-07-26T09:16:18"/>
+      <inkml:timestamp xml:id="ts0" timeString="2020-07-26T21:39:31"/>
     </inkml:context>
     <inkml:brush xml:id="br0">
       <inkml:brushProperty name="width" value="0.09701" units="cm"/>
@@ -1053,7 +1054,7 @@
           <inkml:channelProperty channel="Y" name="resolution" value="28.3464566929134" units="1/cm"/>
         </inkml:channelProperties>
       </inkml:inkSource>
-      <inkml:timestamp xml:id="ts0" timeString="2020-07-26T09:16:18"/>
+      <inkml:timestamp xml:id="ts0" timeString="2020-07-26T21:39:31"/>
     </inkml:context>
     <inkml:brush xml:id="br0">
       <inkml:brushProperty name="width" value="0.09701" units="cm"/>
@@ -1080,7 +1081,7 @@
           <inkml:channelProperty channel="Y" name="resolution" value="28.3464566929134" units="1/cm"/>
         </inkml:channelProperties>
       </inkml:inkSource>
-      <inkml:timestamp xml:id="ts0" timeString="2020-07-26T09:16:18"/>
+      <inkml:timestamp xml:id="ts0" timeString="2020-07-26T21:39:31"/>
     </inkml:context>
     <inkml:brush xml:id="br0">
       <inkml:brushProperty name="width" value="0.09701" units="cm"/>
@@ -1107,7 +1108,7 @@
           <inkml:channelProperty channel="Y" name="resolution" value="28.3464566929134" units="1/cm"/>
         </inkml:channelProperties>
       </inkml:inkSource>
-      <inkml:timestamp xml:id="ts0" timeString="2020-07-26T09:16:18"/>
+      <inkml:timestamp xml:id="ts0" timeString="2020-07-26T21:39:31"/>
     </inkml:context>
     <inkml:brush xml:id="br0">
       <inkml:brushProperty name="width" value="0.09701" units="cm"/>
@@ -1134,7 +1135,7 @@
           <inkml:channelProperty channel="Y" name="resolution" value="28.3464566929134" units="1/cm"/>
         </inkml:channelProperties>
       </inkml:inkSource>
-      <inkml:timestamp xml:id="ts0" timeString="2020-07-26T09:16:18"/>
+      <inkml:timestamp xml:id="ts0" timeString="2020-07-26T21:39:31"/>
     </inkml:context>
     <inkml:brush xml:id="br0">
       <inkml:brushProperty name="width" value="0.09701" units="cm"/>
@@ -1161,7 +1162,7 @@
           <inkml:channelProperty channel="Y" name="resolution" value="28.3464566929134" units="1/cm"/>
         </inkml:channelProperties>
       </inkml:inkSource>
-      <inkml:timestamp xml:id="ts0" timeString="2020-07-26T09:16:18"/>
+      <inkml:timestamp xml:id="ts0" timeString="2020-07-26T21:39:31"/>
     </inkml:context>
     <inkml:brush xml:id="br0">
       <inkml:brushProperty name="width" value="0.09701" units="cm"/>
@@ -1188,7 +1189,7 @@
           <inkml:channelProperty channel="Y" name="resolution" value="28.3464566929134" units="1/cm"/>
         </inkml:channelProperties>
       </inkml:inkSource>
-      <inkml:timestamp xml:id="ts0" timeString="2020-07-26T09:16:18"/>
+      <inkml:timestamp xml:id="ts0" timeString="2020-07-26T21:39:31"/>
     </inkml:context>
     <inkml:brush xml:id="br0">
       <inkml:brushProperty name="width" value="0.09701" units="cm"/>
@@ -1215,7 +1216,7 @@
           <inkml:channelProperty channel="Y" name="resolution" value="28.3464566929134" units="1/cm"/>
         </inkml:channelProperties>
       </inkml:inkSource>
-      <inkml:timestamp xml:id="ts0" timeString="2020-07-26T09:16:18"/>
+      <inkml:timestamp xml:id="ts0" timeString="2020-07-26T21:39:31"/>
     </inkml:context>
     <inkml:brush xml:id="br0">
       <inkml:brushProperty name="width" value="0.09701" units="cm"/>
@@ -1242,7 +1243,7 @@
           <inkml:channelProperty channel="Y" name="resolution" value="28.3464566929134" units="1/cm"/>
         </inkml:channelProperties>
       </inkml:inkSource>
-      <inkml:timestamp xml:id="ts0" timeString="2020-07-26T09:16:18"/>
+      <inkml:timestamp xml:id="ts0" timeString="2020-07-26T21:39:31"/>
     </inkml:context>
     <inkml:brush xml:id="br0">
       <inkml:brushProperty name="width" value="0.09701" units="cm"/>
@@ -1269,7 +1270,7 @@
           <inkml:channelProperty channel="Y" name="resolution" value="28.3464566929134" units="1/cm"/>
         </inkml:channelProperties>
       </inkml:inkSource>
-      <inkml:timestamp xml:id="ts0" timeString="2020-07-26T09:16:18"/>
+      <inkml:timestamp xml:id="ts0" timeString="2020-07-26T21:39:31"/>
     </inkml:context>
     <inkml:brush xml:id="br0">
       <inkml:brushProperty name="width" value="0.09701" units="cm"/>
@@ -4050,6 +4051,50 @@
 </file>
 
 <file path=ppt/notesSlides/notesSlide6.xml><?xml version="1.0" encoding="utf-8"?>
+<p:notes xmlns:a="http://schemas.openxmlformats.org/drawingml/2006/main" xmlns:r="http://schemas.openxmlformats.org/officeDocument/2006/relationships" xmlns:p="http://schemas.openxmlformats.org/presentationml/2006/main">
+  <p:cSld>
+    <p:spTree>
+      <p:nvGrpSpPr>
+        <p:cNvPr id="1" name=""/>
+        <p:cNvGrpSpPr/>
+        <p:nvPr/>
+      </p:nvGrpSpPr>
+      <p:grpSpPr/>
+      <p:sp>
+        <p:nvSpPr>
+          <p:cNvPr id="2" name="幻灯片图像占位符 1"/>
+          <p:cNvSpPr/>
+          <p:nvPr>
+            <p:ph type="sldImg" idx="2"/>
+          </p:nvPr>
+        </p:nvSpPr>
+        <p:spPr/>
+      </p:sp>
+      <p:sp>
+        <p:nvSpPr>
+          <p:cNvPr id="3" name="文本占位符 2"/>
+          <p:cNvSpPr/>
+          <p:nvPr>
+            <p:ph type="body" idx="3"/>
+          </p:nvPr>
+        </p:nvSpPr>
+        <p:spPr/>
+        <p:txBody>
+          <a:bodyPr/>
+          <a:p>
+            <a:endParaRPr lang="zh-CN" altLang="en-US"/>
+          </a:p>
+        </p:txBody>
+      </p:sp>
+    </p:spTree>
+  </p:cSld>
+  <p:clrMapOvr>
+    <a:masterClrMapping/>
+  </p:clrMapOvr>
+</p:notes>
+</file>
+
+<file path=ppt/notesSlides/notesSlide60.xml><?xml version="1.0" encoding="utf-8"?>
 <p:notes xmlns:a="http://schemas.openxmlformats.org/drawingml/2006/main" xmlns:r="http://schemas.openxmlformats.org/officeDocument/2006/relationships" xmlns:p="http://schemas.openxmlformats.org/presentationml/2006/main">
   <p:cSld>
     <p:spTree>
@@ -47883,6 +47928,118 @@
               <a:t>pip install findspark</a:t>
             </a:r>
             <a:endParaRPr lang="zh-CN" altLang="en-US" sz="2000"/>
+          </a:p>
+        </p:txBody>
+      </p:sp>
+    </p:spTree>
+  </p:cSld>
+  <p:clrMapOvr>
+    <a:masterClrMapping/>
+  </p:clrMapOvr>
+</p:sld>
+</file>
+
+<file path=ppt/slides/slide68.xml><?xml version="1.0" encoding="utf-8"?>
+<p:sld xmlns:a="http://schemas.openxmlformats.org/drawingml/2006/main" xmlns:r="http://schemas.openxmlformats.org/officeDocument/2006/relationships" xmlns:p="http://schemas.openxmlformats.org/presentationml/2006/main">
+  <p:cSld>
+    <p:bg>
+      <p:bgPr>
+        <a:noFill/>
+        <a:effectLst/>
+      </p:bgPr>
+    </p:bg>
+    <p:spTree>
+      <p:nvGrpSpPr>
+        <p:cNvPr id="1" name=""/>
+        <p:cNvGrpSpPr/>
+        <p:nvPr/>
+      </p:nvGrpSpPr>
+      <p:grpSpPr/>
+      <p:sp>
+        <p:nvSpPr>
+          <p:cNvPr id="2" name="标题 1"/>
+          <p:cNvSpPr>
+            <a:spLocks noGrp="1"/>
+          </p:cNvSpPr>
+          <p:nvPr>
+            <p:ph type="ctrTitle"/>
+          </p:nvPr>
+        </p:nvSpPr>
+        <p:spPr>
+          <a:xfrm>
+            <a:off x="2257425" y="1445260"/>
+            <a:ext cx="7677150" cy="3967480"/>
+          </a:xfrm>
+        </p:spPr>
+        <p:txBody>
+          <a:bodyPr>
+            <a:noAutofit/>
+          </a:bodyPr>
+          <a:p>
+            <a:pPr algn="ctr">
+              <a:lnSpc>
+                <a:spcPct val="150000"/>
+              </a:lnSpc>
+            </a:pPr>
+            <a:r>
+              <a:rPr lang="zh-CN" sz="5400">
+                <a:solidFill>
+                  <a:srgbClr val="C00000"/>
+                </a:solidFill>
+              </a:rPr>
+              <a:t>推荐系统 </a:t>
+            </a:r>
+            <a:r>
+              <a:rPr lang="en-US" altLang="zh-CN" sz="5400">
+                <a:solidFill>
+                  <a:srgbClr val="C00000"/>
+                </a:solidFill>
+              </a:rPr>
+              <a:t>- </a:t>
+            </a:r>
+            <a:r>
+              <a:rPr lang="zh-CN" altLang="en-US" sz="5400">
+                <a:solidFill>
+                  <a:srgbClr val="C00000"/>
+                </a:solidFill>
+              </a:rPr>
+              <a:t>实战</a:t>
+            </a:r>
+            <a:br>
+              <a:rPr lang="zh-CN" sz="5400">
+                <a:solidFill>
+                  <a:srgbClr val="C00000"/>
+                </a:solidFill>
+              </a:rPr>
+            </a:br>
+            <a:r>
+              <a:rPr lang="zh-CN" sz="5400">
+                <a:solidFill>
+                  <a:srgbClr val="C00000"/>
+                </a:solidFill>
+              </a:rPr>
+              <a:t>PySpark训练word2vec</a:t>
+            </a:r>
+            <a:br>
+              <a:rPr lang="zh-CN" sz="5400">
+                <a:solidFill>
+                  <a:srgbClr val="C00000"/>
+                </a:solidFill>
+              </a:rPr>
+            </a:br>
+            <a:r>
+              <a:rPr lang="zh-CN" sz="5400">
+                <a:solidFill>
+                  <a:srgbClr val="C00000"/>
+                </a:solidFill>
+              </a:rPr>
+              <a:t>实现内容相似推荐</a:t>
+            </a:r>
+            <a:endParaRPr lang="zh-CN" sz="5400">
+              <a:solidFill>
+                <a:srgbClr val="C00000"/>
+              </a:solidFill>
+            </a:endParaRPr>
           </a:p>
         </p:txBody>
       </p:sp>

--- a/推荐系统系列.pptx
+++ b/推荐系统系列.pptx
@@ -8,7 +8,7 @@
     <p:notesMasterId r:id="rId6"/>
   </p:notesMasterIdLst>
   <p:handoutMasterIdLst>
-    <p:handoutMasterId r:id="rId72"/>
+    <p:handoutMasterId r:id="rId73"/>
   </p:handoutMasterIdLst>
   <p:sldIdLst>
     <p:sldId id="256" r:id="rId3"/>
@@ -79,6 +79,7 @@
     <p:sldId id="335" r:id="rId69"/>
     <p:sldId id="336" r:id="rId70"/>
     <p:sldId id="339" r:id="rId71"/>
+    <p:sldId id="340" r:id="rId72"/>
   </p:sldIdLst>
   <p:sldSz cx="12192000" cy="6858000"/>
   <p:notesSz cx="6858000" cy="9144000"/>
@@ -352,7 +353,7 @@
           <inkml:channelProperty channel="Y" name="resolution" value="28.3464566929134" units="1/cm"/>
         </inkml:channelProperties>
       </inkml:inkSource>
-      <inkml:timestamp xml:id="ts0" timeString="2020-07-26T21:39:31"/>
+      <inkml:timestamp xml:id="ts0" timeString="2020-07-27T23:59:22"/>
     </inkml:context>
     <inkml:brush xml:id="br0">
       <inkml:brushProperty name="width" value="0.09701" units="cm"/>
@@ -379,7 +380,7 @@
           <inkml:channelProperty channel="Y" name="resolution" value="28.3464566929134" units="1/cm"/>
         </inkml:channelProperties>
       </inkml:inkSource>
-      <inkml:timestamp xml:id="ts0" timeString="2020-07-26T21:39:31"/>
+      <inkml:timestamp xml:id="ts0" timeString="2020-07-27T23:59:22"/>
     </inkml:context>
     <inkml:brush xml:id="br0">
       <inkml:brushProperty name="width" value="0.09701" units="cm"/>
@@ -406,7 +407,7 @@
           <inkml:channelProperty channel="Y" name="resolution" value="28.3464566929134" units="1/cm"/>
         </inkml:channelProperties>
       </inkml:inkSource>
-      <inkml:timestamp xml:id="ts0" timeString="2020-07-26T21:39:31"/>
+      <inkml:timestamp xml:id="ts0" timeString="2020-07-27T23:59:22"/>
     </inkml:context>
     <inkml:brush xml:id="br0">
       <inkml:brushProperty name="width" value="0.09701" units="cm"/>
@@ -433,7 +434,7 @@
           <inkml:channelProperty channel="Y" name="resolution" value="28.3464566929134" units="1/cm"/>
         </inkml:channelProperties>
       </inkml:inkSource>
-      <inkml:timestamp xml:id="ts0" timeString="2020-07-26T21:39:31"/>
+      <inkml:timestamp xml:id="ts0" timeString="2020-07-27T23:59:22"/>
     </inkml:context>
     <inkml:brush xml:id="br0">
       <inkml:brushProperty name="width" value="0.09701" units="cm"/>
@@ -460,7 +461,7 @@
           <inkml:channelProperty channel="Y" name="resolution" value="28.3464566929134" units="1/cm"/>
         </inkml:channelProperties>
       </inkml:inkSource>
-      <inkml:timestamp xml:id="ts0" timeString="2020-07-26T21:39:31"/>
+      <inkml:timestamp xml:id="ts0" timeString="2020-07-27T23:59:22"/>
     </inkml:context>
     <inkml:brush xml:id="br0">
       <inkml:brushProperty name="width" value="0.09701" units="cm"/>
@@ -487,7 +488,7 @@
           <inkml:channelProperty channel="Y" name="resolution" value="28.3464566929134" units="1/cm"/>
         </inkml:channelProperties>
       </inkml:inkSource>
-      <inkml:timestamp xml:id="ts0" timeString="2020-07-26T21:39:31"/>
+      <inkml:timestamp xml:id="ts0" timeString="2020-07-27T23:59:22"/>
     </inkml:context>
     <inkml:brush xml:id="br0">
       <inkml:brushProperty name="width" value="0.09701" units="cm"/>
@@ -514,7 +515,7 @@
           <inkml:channelProperty channel="Y" name="resolution" value="28.3464566929134" units="1/cm"/>
         </inkml:channelProperties>
       </inkml:inkSource>
-      <inkml:timestamp xml:id="ts0" timeString="2020-07-26T21:39:31"/>
+      <inkml:timestamp xml:id="ts0" timeString="2020-07-27T23:59:22"/>
     </inkml:context>
     <inkml:brush xml:id="br0">
       <inkml:brushProperty name="width" value="0.09701" units="cm"/>
@@ -541,7 +542,7 @@
           <inkml:channelProperty channel="Y" name="resolution" value="28.3464566929134" units="1/cm"/>
         </inkml:channelProperties>
       </inkml:inkSource>
-      <inkml:timestamp xml:id="ts0" timeString="2020-07-26T21:39:31"/>
+      <inkml:timestamp xml:id="ts0" timeString="2020-07-27T23:59:22"/>
     </inkml:context>
     <inkml:brush xml:id="br0">
       <inkml:brushProperty name="width" value="0.09701" units="cm"/>
@@ -568,7 +569,7 @@
           <inkml:channelProperty channel="Y" name="resolution" value="28.3464566929134" units="1/cm"/>
         </inkml:channelProperties>
       </inkml:inkSource>
-      <inkml:timestamp xml:id="ts0" timeString="2020-07-26T21:39:31"/>
+      <inkml:timestamp xml:id="ts0" timeString="2020-07-27T23:59:22"/>
     </inkml:context>
     <inkml:brush xml:id="br0">
       <inkml:brushProperty name="width" value="0.09701" units="cm"/>
@@ -595,7 +596,7 @@
           <inkml:channelProperty channel="Y" name="resolution" value="28.3464566929134" units="1/cm"/>
         </inkml:channelProperties>
       </inkml:inkSource>
-      <inkml:timestamp xml:id="ts0" timeString="2020-07-26T21:39:31"/>
+      <inkml:timestamp xml:id="ts0" timeString="2020-07-27T23:59:22"/>
     </inkml:context>
     <inkml:brush xml:id="br0">
       <inkml:brushProperty name="width" value="0.09701" units="cm"/>
@@ -622,7 +623,7 @@
           <inkml:channelProperty channel="Y" name="resolution" value="28.3464566929134" units="1/cm"/>
         </inkml:channelProperties>
       </inkml:inkSource>
-      <inkml:timestamp xml:id="ts0" timeString="2020-07-26T21:39:31"/>
+      <inkml:timestamp xml:id="ts0" timeString="2020-07-27T23:59:22"/>
     </inkml:context>
     <inkml:brush xml:id="br0">
       <inkml:brushProperty name="width" value="0.09701" units="cm"/>
@@ -649,7 +650,7 @@
           <inkml:channelProperty channel="Y" name="resolution" value="28.3464566929134" units="1/cm"/>
         </inkml:channelProperties>
       </inkml:inkSource>
-      <inkml:timestamp xml:id="ts0" timeString="2020-07-26T21:39:31"/>
+      <inkml:timestamp xml:id="ts0" timeString="2020-07-27T23:59:22"/>
     </inkml:context>
     <inkml:brush xml:id="br0">
       <inkml:brushProperty name="width" value="0.09701" units="cm"/>
@@ -676,7 +677,7 @@
           <inkml:channelProperty channel="Y" name="resolution" value="28.3464566929134" units="1/cm"/>
         </inkml:channelProperties>
       </inkml:inkSource>
-      <inkml:timestamp xml:id="ts0" timeString="2020-07-26T21:39:31"/>
+      <inkml:timestamp xml:id="ts0" timeString="2020-07-27T23:59:22"/>
     </inkml:context>
     <inkml:brush xml:id="br0">
       <inkml:brushProperty name="width" value="0.09701" units="cm"/>
@@ -703,7 +704,7 @@
           <inkml:channelProperty channel="Y" name="resolution" value="28.3464566929134" units="1/cm"/>
         </inkml:channelProperties>
       </inkml:inkSource>
-      <inkml:timestamp xml:id="ts0" timeString="2020-07-26T21:39:31"/>
+      <inkml:timestamp xml:id="ts0" timeString="2020-07-27T23:59:22"/>
     </inkml:context>
     <inkml:brush xml:id="br0">
       <inkml:brushProperty name="width" value="0.09701" units="cm"/>
@@ -730,7 +731,7 @@
           <inkml:channelProperty channel="Y" name="resolution" value="28.3464566929134" units="1/cm"/>
         </inkml:channelProperties>
       </inkml:inkSource>
-      <inkml:timestamp xml:id="ts0" timeString="2020-07-26T21:39:31"/>
+      <inkml:timestamp xml:id="ts0" timeString="2020-07-27T23:59:22"/>
     </inkml:context>
     <inkml:brush xml:id="br0">
       <inkml:brushProperty name="width" value="0.09701" units="cm"/>
@@ -757,7 +758,7 @@
           <inkml:channelProperty channel="Y" name="resolution" value="28.3464566929134" units="1/cm"/>
         </inkml:channelProperties>
       </inkml:inkSource>
-      <inkml:timestamp xml:id="ts0" timeString="2020-07-26T21:39:31"/>
+      <inkml:timestamp xml:id="ts0" timeString="2020-07-27T23:59:22"/>
     </inkml:context>
     <inkml:brush xml:id="br0">
       <inkml:brushProperty name="width" value="0.09701" units="cm"/>
@@ -784,7 +785,7 @@
           <inkml:channelProperty channel="Y" name="resolution" value="28.3464566929134" units="1/cm"/>
         </inkml:channelProperties>
       </inkml:inkSource>
-      <inkml:timestamp xml:id="ts0" timeString="2020-07-26T21:39:31"/>
+      <inkml:timestamp xml:id="ts0" timeString="2020-07-27T23:59:22"/>
     </inkml:context>
     <inkml:brush xml:id="br0">
       <inkml:brushProperty name="width" value="0.09701" units="cm"/>
@@ -811,7 +812,7 @@
           <inkml:channelProperty channel="Y" name="resolution" value="28.3464566929134" units="1/cm"/>
         </inkml:channelProperties>
       </inkml:inkSource>
-      <inkml:timestamp xml:id="ts0" timeString="2020-07-26T21:39:31"/>
+      <inkml:timestamp xml:id="ts0" timeString="2020-07-27T23:59:22"/>
     </inkml:context>
     <inkml:brush xml:id="br0">
       <inkml:brushProperty name="width" value="0.09701" units="cm"/>
@@ -838,7 +839,7 @@
           <inkml:channelProperty channel="Y" name="resolution" value="28.3464566929134" units="1/cm"/>
         </inkml:channelProperties>
       </inkml:inkSource>
-      <inkml:timestamp xml:id="ts0" timeString="2020-07-26T21:39:31"/>
+      <inkml:timestamp xml:id="ts0" timeString="2020-07-27T23:59:22"/>
     </inkml:context>
     <inkml:brush xml:id="br0">
       <inkml:brushProperty name="width" value="0.09701" units="cm"/>
@@ -865,7 +866,7 @@
           <inkml:channelProperty channel="Y" name="resolution" value="28.3464566929134" units="1/cm"/>
         </inkml:channelProperties>
       </inkml:inkSource>
-      <inkml:timestamp xml:id="ts0" timeString="2020-07-26T21:39:31"/>
+      <inkml:timestamp xml:id="ts0" timeString="2020-07-27T23:59:22"/>
     </inkml:context>
     <inkml:brush xml:id="br0">
       <inkml:brushProperty name="width" value="0.09701" units="cm"/>
@@ -892,7 +893,7 @@
           <inkml:channelProperty channel="Y" name="resolution" value="28.3464566929134" units="1/cm"/>
         </inkml:channelProperties>
       </inkml:inkSource>
-      <inkml:timestamp xml:id="ts0" timeString="2020-07-26T21:39:31"/>
+      <inkml:timestamp xml:id="ts0" timeString="2020-07-27T23:59:22"/>
     </inkml:context>
     <inkml:brush xml:id="br0">
       <inkml:brushProperty name="width" value="0.09701" units="cm"/>
@@ -919,7 +920,7 @@
           <inkml:channelProperty channel="Y" name="resolution" value="28.3464566929134" units="1/cm"/>
         </inkml:channelProperties>
       </inkml:inkSource>
-      <inkml:timestamp xml:id="ts0" timeString="2020-07-26T21:39:31"/>
+      <inkml:timestamp xml:id="ts0" timeString="2020-07-27T23:59:22"/>
     </inkml:context>
     <inkml:brush xml:id="br0">
       <inkml:brushProperty name="width" value="0.09701" units="cm"/>
@@ -946,7 +947,7 @@
           <inkml:channelProperty channel="Y" name="resolution" value="28.3464566929134" units="1/cm"/>
         </inkml:channelProperties>
       </inkml:inkSource>
-      <inkml:timestamp xml:id="ts0" timeString="2020-07-26T21:39:31"/>
+      <inkml:timestamp xml:id="ts0" timeString="2020-07-27T23:59:22"/>
     </inkml:context>
     <inkml:brush xml:id="br0">
       <inkml:brushProperty name="width" value="0.09701" units="cm"/>
@@ -973,7 +974,7 @@
           <inkml:channelProperty channel="Y" name="resolution" value="28.3464566929134" units="1/cm"/>
         </inkml:channelProperties>
       </inkml:inkSource>
-      <inkml:timestamp xml:id="ts0" timeString="2020-07-26T21:39:31"/>
+      <inkml:timestamp xml:id="ts0" timeString="2020-07-27T23:59:22"/>
     </inkml:context>
     <inkml:brush xml:id="br0">
       <inkml:brushProperty name="width" value="0.09701" units="cm"/>
@@ -1000,7 +1001,7 @@
           <inkml:channelProperty channel="Y" name="resolution" value="28.3464566929134" units="1/cm"/>
         </inkml:channelProperties>
       </inkml:inkSource>
-      <inkml:timestamp xml:id="ts0" timeString="2020-07-26T21:39:31"/>
+      <inkml:timestamp xml:id="ts0" timeString="2020-07-27T23:59:22"/>
     </inkml:context>
     <inkml:brush xml:id="br0">
       <inkml:brushProperty name="width" value="0.09701" units="cm"/>
@@ -1027,7 +1028,7 @@
           <inkml:channelProperty channel="Y" name="resolution" value="28.3464566929134" units="1/cm"/>
         </inkml:channelProperties>
       </inkml:inkSource>
-      <inkml:timestamp xml:id="ts0" timeString="2020-07-26T21:39:31"/>
+      <inkml:timestamp xml:id="ts0" timeString="2020-07-27T23:59:22"/>
     </inkml:context>
     <inkml:brush xml:id="br0">
       <inkml:brushProperty name="width" value="0.09701" units="cm"/>
@@ -1054,7 +1055,7 @@
           <inkml:channelProperty channel="Y" name="resolution" value="28.3464566929134" units="1/cm"/>
         </inkml:channelProperties>
       </inkml:inkSource>
-      <inkml:timestamp xml:id="ts0" timeString="2020-07-26T21:39:31"/>
+      <inkml:timestamp xml:id="ts0" timeString="2020-07-27T23:59:22"/>
     </inkml:context>
     <inkml:brush xml:id="br0">
       <inkml:brushProperty name="width" value="0.09701" units="cm"/>
@@ -1081,7 +1082,7 @@
           <inkml:channelProperty channel="Y" name="resolution" value="28.3464566929134" units="1/cm"/>
         </inkml:channelProperties>
       </inkml:inkSource>
-      <inkml:timestamp xml:id="ts0" timeString="2020-07-26T21:39:31"/>
+      <inkml:timestamp xml:id="ts0" timeString="2020-07-27T23:59:22"/>
     </inkml:context>
     <inkml:brush xml:id="br0">
       <inkml:brushProperty name="width" value="0.09701" units="cm"/>
@@ -1108,7 +1109,7 @@
           <inkml:channelProperty channel="Y" name="resolution" value="28.3464566929134" units="1/cm"/>
         </inkml:channelProperties>
       </inkml:inkSource>
-      <inkml:timestamp xml:id="ts0" timeString="2020-07-26T21:39:31"/>
+      <inkml:timestamp xml:id="ts0" timeString="2020-07-27T23:59:22"/>
     </inkml:context>
     <inkml:brush xml:id="br0">
       <inkml:brushProperty name="width" value="0.09701" units="cm"/>
@@ -1135,7 +1136,7 @@
           <inkml:channelProperty channel="Y" name="resolution" value="28.3464566929134" units="1/cm"/>
         </inkml:channelProperties>
       </inkml:inkSource>
-      <inkml:timestamp xml:id="ts0" timeString="2020-07-26T21:39:31"/>
+      <inkml:timestamp xml:id="ts0" timeString="2020-07-27T23:59:22"/>
     </inkml:context>
     <inkml:brush xml:id="br0">
       <inkml:brushProperty name="width" value="0.09701" units="cm"/>
@@ -1162,7 +1163,7 @@
           <inkml:channelProperty channel="Y" name="resolution" value="28.3464566929134" units="1/cm"/>
         </inkml:channelProperties>
       </inkml:inkSource>
-      <inkml:timestamp xml:id="ts0" timeString="2020-07-26T21:39:31"/>
+      <inkml:timestamp xml:id="ts0" timeString="2020-07-27T23:59:22"/>
     </inkml:context>
     <inkml:brush xml:id="br0">
       <inkml:brushProperty name="width" value="0.09701" units="cm"/>
@@ -1189,7 +1190,7 @@
           <inkml:channelProperty channel="Y" name="resolution" value="28.3464566929134" units="1/cm"/>
         </inkml:channelProperties>
       </inkml:inkSource>
-      <inkml:timestamp xml:id="ts0" timeString="2020-07-26T21:39:31"/>
+      <inkml:timestamp xml:id="ts0" timeString="2020-07-27T23:59:22"/>
     </inkml:context>
     <inkml:brush xml:id="br0">
       <inkml:brushProperty name="width" value="0.09701" units="cm"/>
@@ -1216,7 +1217,7 @@
           <inkml:channelProperty channel="Y" name="resolution" value="28.3464566929134" units="1/cm"/>
         </inkml:channelProperties>
       </inkml:inkSource>
-      <inkml:timestamp xml:id="ts0" timeString="2020-07-26T21:39:31"/>
+      <inkml:timestamp xml:id="ts0" timeString="2020-07-27T23:59:22"/>
     </inkml:context>
     <inkml:brush xml:id="br0">
       <inkml:brushProperty name="width" value="0.09701" units="cm"/>
@@ -1243,7 +1244,7 @@
           <inkml:channelProperty channel="Y" name="resolution" value="28.3464566929134" units="1/cm"/>
         </inkml:channelProperties>
       </inkml:inkSource>
-      <inkml:timestamp xml:id="ts0" timeString="2020-07-26T21:39:31"/>
+      <inkml:timestamp xml:id="ts0" timeString="2020-07-27T23:59:22"/>
     </inkml:context>
     <inkml:brush xml:id="br0">
       <inkml:brushProperty name="width" value="0.09701" units="cm"/>
@@ -1270,7 +1271,7 @@
           <inkml:channelProperty channel="Y" name="resolution" value="28.3464566929134" units="1/cm"/>
         </inkml:channelProperties>
       </inkml:inkSource>
-      <inkml:timestamp xml:id="ts0" timeString="2020-07-26T21:39:31"/>
+      <inkml:timestamp xml:id="ts0" timeString="2020-07-27T23:59:22"/>
     </inkml:context>
     <inkml:brush xml:id="br0">
       <inkml:brushProperty name="width" value="0.09701" units="cm"/>
@@ -4095,6 +4096,50 @@
 </file>
 
 <file path=ppt/notesSlides/notesSlide60.xml><?xml version="1.0" encoding="utf-8"?>
+<p:notes xmlns:a="http://schemas.openxmlformats.org/drawingml/2006/main" xmlns:r="http://schemas.openxmlformats.org/officeDocument/2006/relationships" xmlns:p="http://schemas.openxmlformats.org/presentationml/2006/main">
+  <p:cSld>
+    <p:spTree>
+      <p:nvGrpSpPr>
+        <p:cNvPr id="1" name=""/>
+        <p:cNvGrpSpPr/>
+        <p:nvPr/>
+      </p:nvGrpSpPr>
+      <p:grpSpPr/>
+      <p:sp>
+        <p:nvSpPr>
+          <p:cNvPr id="2" name="幻灯片图像占位符 1"/>
+          <p:cNvSpPr/>
+          <p:nvPr>
+            <p:ph type="sldImg" idx="2"/>
+          </p:nvPr>
+        </p:nvSpPr>
+        <p:spPr/>
+      </p:sp>
+      <p:sp>
+        <p:nvSpPr>
+          <p:cNvPr id="3" name="文本占位符 2"/>
+          <p:cNvSpPr/>
+          <p:nvPr>
+            <p:ph type="body" idx="3"/>
+          </p:nvPr>
+        </p:nvSpPr>
+        <p:spPr/>
+        <p:txBody>
+          <a:bodyPr/>
+          <a:p>
+            <a:endParaRPr lang="zh-CN" altLang="en-US"/>
+          </a:p>
+        </p:txBody>
+      </p:sp>
+    </p:spTree>
+  </p:cSld>
+  <p:clrMapOvr>
+    <a:masterClrMapping/>
+  </p:clrMapOvr>
+</p:notes>
+</file>
+
+<file path=ppt/notesSlides/notesSlide61.xml><?xml version="1.0" encoding="utf-8"?>
 <p:notes xmlns:a="http://schemas.openxmlformats.org/drawingml/2006/main" xmlns:r="http://schemas.openxmlformats.org/officeDocument/2006/relationships" xmlns:p="http://schemas.openxmlformats.org/presentationml/2006/main">
   <p:cSld>
     <p:spTree>
@@ -48034,6 +48079,103 @@
                 </a:solidFill>
               </a:rPr>
               <a:t>实现内容相似推荐</a:t>
+            </a:r>
+            <a:endParaRPr lang="zh-CN" sz="5400">
+              <a:solidFill>
+                <a:srgbClr val="C00000"/>
+              </a:solidFill>
+            </a:endParaRPr>
+          </a:p>
+        </p:txBody>
+      </p:sp>
+    </p:spTree>
+  </p:cSld>
+  <p:clrMapOvr>
+    <a:masterClrMapping/>
+  </p:clrMapOvr>
+</p:sld>
+</file>
+
+<file path=ppt/slides/slide69.xml><?xml version="1.0" encoding="utf-8"?>
+<p:sld xmlns:a="http://schemas.openxmlformats.org/drawingml/2006/main" xmlns:r="http://schemas.openxmlformats.org/officeDocument/2006/relationships" xmlns:p="http://schemas.openxmlformats.org/presentationml/2006/main">
+  <p:cSld>
+    <p:bg>
+      <p:bgPr>
+        <a:noFill/>
+        <a:effectLst/>
+      </p:bgPr>
+    </p:bg>
+    <p:spTree>
+      <p:nvGrpSpPr>
+        <p:cNvPr id="1" name=""/>
+        <p:cNvGrpSpPr/>
+        <p:nvPr/>
+      </p:nvGrpSpPr>
+      <p:grpSpPr/>
+      <p:sp>
+        <p:nvSpPr>
+          <p:cNvPr id="2" name="标题 1"/>
+          <p:cNvSpPr>
+            <a:spLocks noGrp="1"/>
+          </p:cNvSpPr>
+          <p:nvPr>
+            <p:ph type="ctrTitle"/>
+          </p:nvPr>
+        </p:nvSpPr>
+        <p:spPr>
+          <a:xfrm>
+            <a:off x="2257425" y="1445260"/>
+            <a:ext cx="7677150" cy="3967480"/>
+          </a:xfrm>
+        </p:spPr>
+        <p:txBody>
+          <a:bodyPr>
+            <a:noAutofit/>
+          </a:bodyPr>
+          <a:p>
+            <a:pPr algn="ctr">
+              <a:lnSpc>
+                <a:spcPct val="150000"/>
+              </a:lnSpc>
+            </a:pPr>
+            <a:r>
+              <a:rPr lang="zh-CN" sz="5400">
+                <a:solidFill>
+                  <a:srgbClr val="C00000"/>
+                </a:solidFill>
+              </a:rPr>
+              <a:t>推荐系统 </a:t>
+            </a:r>
+            <a:r>
+              <a:rPr lang="en-US" altLang="zh-CN" sz="5400">
+                <a:solidFill>
+                  <a:srgbClr val="C00000"/>
+                </a:solidFill>
+              </a:rPr>
+              <a:t>- </a:t>
+            </a:r>
+            <a:r>
+              <a:rPr lang="zh-CN" altLang="en-US" sz="5400">
+                <a:solidFill>
+                  <a:srgbClr val="C00000"/>
+                </a:solidFill>
+              </a:rPr>
+              <a:t>实战</a:t>
+            </a:r>
+            <a:br>
+              <a:rPr lang="zh-CN" sz="5400">
+                <a:solidFill>
+                  <a:srgbClr val="C00000"/>
+                </a:solidFill>
+              </a:rPr>
+            </a:br>
+            <a:r>
+              <a:rPr lang="zh-CN" sz="5400">
+                <a:solidFill>
+                  <a:srgbClr val="C00000"/>
+                </a:solidFill>
+              </a:rPr>
+              <a:t>使用腾讯开源Word2vec实现内容相似推荐</a:t>
             </a:r>
             <a:endParaRPr lang="zh-CN" sz="5400">
               <a:solidFill>

--- a/推荐系统系列.pptx
+++ b/推荐系统系列.pptx
@@ -8,7 +8,7 @@
     <p:notesMasterId r:id="rId6"/>
   </p:notesMasterIdLst>
   <p:handoutMasterIdLst>
-    <p:handoutMasterId r:id="rId73"/>
+    <p:handoutMasterId r:id="rId72"/>
   </p:handoutMasterIdLst>
   <p:sldIdLst>
     <p:sldId id="256" r:id="rId3"/>
@@ -79,7 +79,6 @@
     <p:sldId id="335" r:id="rId69"/>
     <p:sldId id="336" r:id="rId70"/>
     <p:sldId id="339" r:id="rId71"/>
-    <p:sldId id="340" r:id="rId72"/>
   </p:sldIdLst>
   <p:sldSz cx="12192000" cy="6858000"/>
   <p:notesSz cx="6858000" cy="9144000"/>
@@ -353,7 +352,7 @@
           <inkml:channelProperty channel="Y" name="resolution" value="28.3464566929134" units="1/cm"/>
         </inkml:channelProperties>
       </inkml:inkSource>
-      <inkml:timestamp xml:id="ts0" timeString="2020-07-27T23:59:22"/>
+      <inkml:timestamp xml:id="ts0" timeString="2020-07-26T21:39:31"/>
     </inkml:context>
     <inkml:brush xml:id="br0">
       <inkml:brushProperty name="width" value="0.09701" units="cm"/>
@@ -380,7 +379,7 @@
           <inkml:channelProperty channel="Y" name="resolution" value="28.3464566929134" units="1/cm"/>
         </inkml:channelProperties>
       </inkml:inkSource>
-      <inkml:timestamp xml:id="ts0" timeString="2020-07-27T23:59:22"/>
+      <inkml:timestamp xml:id="ts0" timeString="2020-07-26T21:39:31"/>
     </inkml:context>
     <inkml:brush xml:id="br0">
       <inkml:brushProperty name="width" value="0.09701" units="cm"/>
@@ -407,7 +406,7 @@
           <inkml:channelProperty channel="Y" name="resolution" value="28.3464566929134" units="1/cm"/>
         </inkml:channelProperties>
       </inkml:inkSource>
-      <inkml:timestamp xml:id="ts0" timeString="2020-07-27T23:59:22"/>
+      <inkml:timestamp xml:id="ts0" timeString="2020-07-26T21:39:31"/>
     </inkml:context>
     <inkml:brush xml:id="br0">
       <inkml:brushProperty name="width" value="0.09701" units="cm"/>
@@ -434,7 +433,7 @@
           <inkml:channelProperty channel="Y" name="resolution" value="28.3464566929134" units="1/cm"/>
         </inkml:channelProperties>
       </inkml:inkSource>
-      <inkml:timestamp xml:id="ts0" timeString="2020-07-27T23:59:22"/>
+      <inkml:timestamp xml:id="ts0" timeString="2020-07-26T21:39:31"/>
     </inkml:context>
     <inkml:brush xml:id="br0">
       <inkml:brushProperty name="width" value="0.09701" units="cm"/>
@@ -461,7 +460,7 @@
           <inkml:channelProperty channel="Y" name="resolution" value="28.3464566929134" units="1/cm"/>
         </inkml:channelProperties>
       </inkml:inkSource>
-      <inkml:timestamp xml:id="ts0" timeString="2020-07-27T23:59:22"/>
+      <inkml:timestamp xml:id="ts0" timeString="2020-07-26T21:39:31"/>
     </inkml:context>
     <inkml:brush xml:id="br0">
       <inkml:brushProperty name="width" value="0.09701" units="cm"/>
@@ -488,7 +487,7 @@
           <inkml:channelProperty channel="Y" name="resolution" value="28.3464566929134" units="1/cm"/>
         </inkml:channelProperties>
       </inkml:inkSource>
-      <inkml:timestamp xml:id="ts0" timeString="2020-07-27T23:59:22"/>
+      <inkml:timestamp xml:id="ts0" timeString="2020-07-26T21:39:31"/>
     </inkml:context>
     <inkml:brush xml:id="br0">
       <inkml:brushProperty name="width" value="0.09701" units="cm"/>
@@ -515,7 +514,7 @@
           <inkml:channelProperty channel="Y" name="resolution" value="28.3464566929134" units="1/cm"/>
         </inkml:channelProperties>
       </inkml:inkSource>
-      <inkml:timestamp xml:id="ts0" timeString="2020-07-27T23:59:22"/>
+      <inkml:timestamp xml:id="ts0" timeString="2020-07-26T21:39:31"/>
     </inkml:context>
     <inkml:brush xml:id="br0">
       <inkml:brushProperty name="width" value="0.09701" units="cm"/>
@@ -542,7 +541,7 @@
           <inkml:channelProperty channel="Y" name="resolution" value="28.3464566929134" units="1/cm"/>
         </inkml:channelProperties>
       </inkml:inkSource>
-      <inkml:timestamp xml:id="ts0" timeString="2020-07-27T23:59:22"/>
+      <inkml:timestamp xml:id="ts0" timeString="2020-07-26T21:39:31"/>
     </inkml:context>
     <inkml:brush xml:id="br0">
       <inkml:brushProperty name="width" value="0.09701" units="cm"/>
@@ -569,7 +568,7 @@
           <inkml:channelProperty channel="Y" name="resolution" value="28.3464566929134" units="1/cm"/>
         </inkml:channelProperties>
       </inkml:inkSource>
-      <inkml:timestamp xml:id="ts0" timeString="2020-07-27T23:59:22"/>
+      <inkml:timestamp xml:id="ts0" timeString="2020-07-26T21:39:31"/>
     </inkml:context>
     <inkml:brush xml:id="br0">
       <inkml:brushProperty name="width" value="0.09701" units="cm"/>
@@ -596,7 +595,7 @@
           <inkml:channelProperty channel="Y" name="resolution" value="28.3464566929134" units="1/cm"/>
         </inkml:channelProperties>
       </inkml:inkSource>
-      <inkml:timestamp xml:id="ts0" timeString="2020-07-27T23:59:22"/>
+      <inkml:timestamp xml:id="ts0" timeString="2020-07-26T21:39:31"/>
     </inkml:context>
     <inkml:brush xml:id="br0">
       <inkml:brushProperty name="width" value="0.09701" units="cm"/>
@@ -623,7 +622,7 @@
           <inkml:channelProperty channel="Y" name="resolution" value="28.3464566929134" units="1/cm"/>
         </inkml:channelProperties>
       </inkml:inkSource>
-      <inkml:timestamp xml:id="ts0" timeString="2020-07-27T23:59:22"/>
+      <inkml:timestamp xml:id="ts0" timeString="2020-07-26T21:39:31"/>
     </inkml:context>
     <inkml:brush xml:id="br0">
       <inkml:brushProperty name="width" value="0.09701" units="cm"/>
@@ -650,7 +649,7 @@
           <inkml:channelProperty channel="Y" name="resolution" value="28.3464566929134" units="1/cm"/>
         </inkml:channelProperties>
       </inkml:inkSource>
-      <inkml:timestamp xml:id="ts0" timeString="2020-07-27T23:59:22"/>
+      <inkml:timestamp xml:id="ts0" timeString="2020-07-26T21:39:31"/>
     </inkml:context>
     <inkml:brush xml:id="br0">
       <inkml:brushProperty name="width" value="0.09701" units="cm"/>
@@ -677,7 +676,7 @@
           <inkml:channelProperty channel="Y" name="resolution" value="28.3464566929134" units="1/cm"/>
         </inkml:channelProperties>
       </inkml:inkSource>
-      <inkml:timestamp xml:id="ts0" timeString="2020-07-27T23:59:22"/>
+      <inkml:timestamp xml:id="ts0" timeString="2020-07-26T21:39:31"/>
     </inkml:context>
     <inkml:brush xml:id="br0">
       <inkml:brushProperty name="width" value="0.09701" units="cm"/>
@@ -704,7 +703,7 @@
           <inkml:channelProperty channel="Y" name="resolution" value="28.3464566929134" units="1/cm"/>
         </inkml:channelProperties>
       </inkml:inkSource>
-      <inkml:timestamp xml:id="ts0" timeString="2020-07-27T23:59:22"/>
+      <inkml:timestamp xml:id="ts0" timeString="2020-07-26T21:39:31"/>
     </inkml:context>
     <inkml:brush xml:id="br0">
       <inkml:brushProperty name="width" value="0.09701" units="cm"/>
@@ -731,7 +730,7 @@
           <inkml:channelProperty channel="Y" name="resolution" value="28.3464566929134" units="1/cm"/>
         </inkml:channelProperties>
       </inkml:inkSource>
-      <inkml:timestamp xml:id="ts0" timeString="2020-07-27T23:59:22"/>
+      <inkml:timestamp xml:id="ts0" timeString="2020-07-26T21:39:31"/>
     </inkml:context>
     <inkml:brush xml:id="br0">
       <inkml:brushProperty name="width" value="0.09701" units="cm"/>
@@ -758,7 +757,7 @@
           <inkml:channelProperty channel="Y" name="resolution" value="28.3464566929134" units="1/cm"/>
         </inkml:channelProperties>
       </inkml:inkSource>
-      <inkml:timestamp xml:id="ts0" timeString="2020-07-27T23:59:22"/>
+      <inkml:timestamp xml:id="ts0" timeString="2020-07-26T21:39:31"/>
     </inkml:context>
     <inkml:brush xml:id="br0">
       <inkml:brushProperty name="width" value="0.09701" units="cm"/>
@@ -785,7 +784,7 @@
           <inkml:channelProperty channel="Y" name="resolution" value="28.3464566929134" units="1/cm"/>
         </inkml:channelProperties>
       </inkml:inkSource>
-      <inkml:timestamp xml:id="ts0" timeString="2020-07-27T23:59:22"/>
+      <inkml:timestamp xml:id="ts0" timeString="2020-07-26T21:39:31"/>
     </inkml:context>
     <inkml:brush xml:id="br0">
       <inkml:brushProperty name="width" value="0.09701" units="cm"/>
@@ -812,7 +811,7 @@
           <inkml:channelProperty channel="Y" name="resolution" value="28.3464566929134" units="1/cm"/>
         </inkml:channelProperties>
       </inkml:inkSource>
-      <inkml:timestamp xml:id="ts0" timeString="2020-07-27T23:59:22"/>
+      <inkml:timestamp xml:id="ts0" timeString="2020-07-26T21:39:31"/>
     </inkml:context>
     <inkml:brush xml:id="br0">
       <inkml:brushProperty name="width" value="0.09701" units="cm"/>
@@ -839,7 +838,7 @@
           <inkml:channelProperty channel="Y" name="resolution" value="28.3464566929134" units="1/cm"/>
         </inkml:channelProperties>
       </inkml:inkSource>
-      <inkml:timestamp xml:id="ts0" timeString="2020-07-27T23:59:22"/>
+      <inkml:timestamp xml:id="ts0" timeString="2020-07-26T21:39:31"/>
     </inkml:context>
     <inkml:brush xml:id="br0">
       <inkml:brushProperty name="width" value="0.09701" units="cm"/>
@@ -866,7 +865,7 @@
           <inkml:channelProperty channel="Y" name="resolution" value="28.3464566929134" units="1/cm"/>
         </inkml:channelProperties>
       </inkml:inkSource>
-      <inkml:timestamp xml:id="ts0" timeString="2020-07-27T23:59:22"/>
+      <inkml:timestamp xml:id="ts0" timeString="2020-07-26T21:39:31"/>
     </inkml:context>
     <inkml:brush xml:id="br0">
       <inkml:brushProperty name="width" value="0.09701" units="cm"/>
@@ -893,7 +892,7 @@
           <inkml:channelProperty channel="Y" name="resolution" value="28.3464566929134" units="1/cm"/>
         </inkml:channelProperties>
       </inkml:inkSource>
-      <inkml:timestamp xml:id="ts0" timeString="2020-07-27T23:59:22"/>
+      <inkml:timestamp xml:id="ts0" timeString="2020-07-26T21:39:31"/>
     </inkml:context>
     <inkml:brush xml:id="br0">
       <inkml:brushProperty name="width" value="0.09701" units="cm"/>
@@ -920,7 +919,7 @@
           <inkml:channelProperty channel="Y" name="resolution" value="28.3464566929134" units="1/cm"/>
         </inkml:channelProperties>
       </inkml:inkSource>
-      <inkml:timestamp xml:id="ts0" timeString="2020-07-27T23:59:22"/>
+      <inkml:timestamp xml:id="ts0" timeString="2020-07-26T21:39:31"/>
     </inkml:context>
     <inkml:brush xml:id="br0">
       <inkml:brushProperty name="width" value="0.09701" units="cm"/>
@@ -947,7 +946,7 @@
           <inkml:channelProperty channel="Y" name="resolution" value="28.3464566929134" units="1/cm"/>
         </inkml:channelProperties>
       </inkml:inkSource>
-      <inkml:timestamp xml:id="ts0" timeString="2020-07-27T23:59:22"/>
+      <inkml:timestamp xml:id="ts0" timeString="2020-07-26T21:39:31"/>
     </inkml:context>
     <inkml:brush xml:id="br0">
       <inkml:brushProperty name="width" value="0.09701" units="cm"/>
@@ -974,7 +973,7 @@
           <inkml:channelProperty channel="Y" name="resolution" value="28.3464566929134" units="1/cm"/>
         </inkml:channelProperties>
       </inkml:inkSource>
-      <inkml:timestamp xml:id="ts0" timeString="2020-07-27T23:59:22"/>
+      <inkml:timestamp xml:id="ts0" timeString="2020-07-26T21:39:31"/>
     </inkml:context>
     <inkml:brush xml:id="br0">
       <inkml:brushProperty name="width" value="0.09701" units="cm"/>
@@ -1001,7 +1000,7 @@
           <inkml:channelProperty channel="Y" name="resolution" value="28.3464566929134" units="1/cm"/>
         </inkml:channelProperties>
       </inkml:inkSource>
-      <inkml:timestamp xml:id="ts0" timeString="2020-07-27T23:59:22"/>
+      <inkml:timestamp xml:id="ts0" timeString="2020-07-26T21:39:31"/>
     </inkml:context>
     <inkml:brush xml:id="br0">
       <inkml:brushProperty name="width" value="0.09701" units="cm"/>
@@ -1028,7 +1027,7 @@
           <inkml:channelProperty channel="Y" name="resolution" value="28.3464566929134" units="1/cm"/>
         </inkml:channelProperties>
       </inkml:inkSource>
-      <inkml:timestamp xml:id="ts0" timeString="2020-07-27T23:59:22"/>
+      <inkml:timestamp xml:id="ts0" timeString="2020-07-26T21:39:31"/>
     </inkml:context>
     <inkml:brush xml:id="br0">
       <inkml:brushProperty name="width" value="0.09701" units="cm"/>
@@ -1055,7 +1054,7 @@
           <inkml:channelProperty channel="Y" name="resolution" value="28.3464566929134" units="1/cm"/>
         </inkml:channelProperties>
       </inkml:inkSource>
-      <inkml:timestamp xml:id="ts0" timeString="2020-07-27T23:59:22"/>
+      <inkml:timestamp xml:id="ts0" timeString="2020-07-26T21:39:31"/>
     </inkml:context>
     <inkml:brush xml:id="br0">
       <inkml:brushProperty name="width" value="0.09701" units="cm"/>
@@ -1082,7 +1081,7 @@
           <inkml:channelProperty channel="Y" name="resolution" value="28.3464566929134" units="1/cm"/>
         </inkml:channelProperties>
       </inkml:inkSource>
-      <inkml:timestamp xml:id="ts0" timeString="2020-07-27T23:59:22"/>
+      <inkml:timestamp xml:id="ts0" timeString="2020-07-26T21:39:31"/>
     </inkml:context>
     <inkml:brush xml:id="br0">
       <inkml:brushProperty name="width" value="0.09701" units="cm"/>
@@ -1109,7 +1108,7 @@
           <inkml:channelProperty channel="Y" name="resolution" value="28.3464566929134" units="1/cm"/>
         </inkml:channelProperties>
       </inkml:inkSource>
-      <inkml:timestamp xml:id="ts0" timeString="2020-07-27T23:59:22"/>
+      <inkml:timestamp xml:id="ts0" timeString="2020-07-26T21:39:31"/>
     </inkml:context>
     <inkml:brush xml:id="br0">
       <inkml:brushProperty name="width" value="0.09701" units="cm"/>
@@ -1136,7 +1135,7 @@
           <inkml:channelProperty channel="Y" name="resolution" value="28.3464566929134" units="1/cm"/>
         </inkml:channelProperties>
       </inkml:inkSource>
-      <inkml:timestamp xml:id="ts0" timeString="2020-07-27T23:59:22"/>
+      <inkml:timestamp xml:id="ts0" timeString="2020-07-26T21:39:31"/>
     </inkml:context>
     <inkml:brush xml:id="br0">
       <inkml:brushProperty name="width" value="0.09701" units="cm"/>
@@ -1163,7 +1162,7 @@
           <inkml:channelProperty channel="Y" name="resolution" value="28.3464566929134" units="1/cm"/>
         </inkml:channelProperties>
       </inkml:inkSource>
-      <inkml:timestamp xml:id="ts0" timeString="2020-07-27T23:59:22"/>
+      <inkml:timestamp xml:id="ts0" timeString="2020-07-26T21:39:31"/>
     </inkml:context>
     <inkml:brush xml:id="br0">
       <inkml:brushProperty name="width" value="0.09701" units="cm"/>
@@ -1190,7 +1189,7 @@
           <inkml:channelProperty channel="Y" name="resolution" value="28.3464566929134" units="1/cm"/>
         </inkml:channelProperties>
       </inkml:inkSource>
-      <inkml:timestamp xml:id="ts0" timeString="2020-07-27T23:59:22"/>
+      <inkml:timestamp xml:id="ts0" timeString="2020-07-26T21:39:31"/>
     </inkml:context>
     <inkml:brush xml:id="br0">
       <inkml:brushProperty name="width" value="0.09701" units="cm"/>
@@ -1217,7 +1216,7 @@
           <inkml:channelProperty channel="Y" name="resolution" value="28.3464566929134" units="1/cm"/>
         </inkml:channelProperties>
       </inkml:inkSource>
-      <inkml:timestamp xml:id="ts0" timeString="2020-07-27T23:59:22"/>
+      <inkml:timestamp xml:id="ts0" timeString="2020-07-26T21:39:31"/>
     </inkml:context>
     <inkml:brush xml:id="br0">
       <inkml:brushProperty name="width" value="0.09701" units="cm"/>
@@ -1244,7 +1243,7 @@
           <inkml:channelProperty channel="Y" name="resolution" value="28.3464566929134" units="1/cm"/>
         </inkml:channelProperties>
       </inkml:inkSource>
-      <inkml:timestamp xml:id="ts0" timeString="2020-07-27T23:59:22"/>
+      <inkml:timestamp xml:id="ts0" timeString="2020-07-26T21:39:31"/>
     </inkml:context>
     <inkml:brush xml:id="br0">
       <inkml:brushProperty name="width" value="0.09701" units="cm"/>
@@ -1271,7 +1270,7 @@
           <inkml:channelProperty channel="Y" name="resolution" value="28.3464566929134" units="1/cm"/>
         </inkml:channelProperties>
       </inkml:inkSource>
-      <inkml:timestamp xml:id="ts0" timeString="2020-07-27T23:59:22"/>
+      <inkml:timestamp xml:id="ts0" timeString="2020-07-26T21:39:31"/>
     </inkml:context>
     <inkml:brush xml:id="br0">
       <inkml:brushProperty name="width" value="0.09701" units="cm"/>
@@ -4096,50 +4095,6 @@
 </file>
 
 <file path=ppt/notesSlides/notesSlide60.xml><?xml version="1.0" encoding="utf-8"?>
-<p:notes xmlns:a="http://schemas.openxmlformats.org/drawingml/2006/main" xmlns:r="http://schemas.openxmlformats.org/officeDocument/2006/relationships" xmlns:p="http://schemas.openxmlformats.org/presentationml/2006/main">
-  <p:cSld>
-    <p:spTree>
-      <p:nvGrpSpPr>
-        <p:cNvPr id="1" name=""/>
-        <p:cNvGrpSpPr/>
-        <p:nvPr/>
-      </p:nvGrpSpPr>
-      <p:grpSpPr/>
-      <p:sp>
-        <p:nvSpPr>
-          <p:cNvPr id="2" name="幻灯片图像占位符 1"/>
-          <p:cNvSpPr/>
-          <p:nvPr>
-            <p:ph type="sldImg" idx="2"/>
-          </p:nvPr>
-        </p:nvSpPr>
-        <p:spPr/>
-      </p:sp>
-      <p:sp>
-        <p:nvSpPr>
-          <p:cNvPr id="3" name="文本占位符 2"/>
-          <p:cNvSpPr/>
-          <p:nvPr>
-            <p:ph type="body" idx="3"/>
-          </p:nvPr>
-        </p:nvSpPr>
-        <p:spPr/>
-        <p:txBody>
-          <a:bodyPr/>
-          <a:p>
-            <a:endParaRPr lang="zh-CN" altLang="en-US"/>
-          </a:p>
-        </p:txBody>
-      </p:sp>
-    </p:spTree>
-  </p:cSld>
-  <p:clrMapOvr>
-    <a:masterClrMapping/>
-  </p:clrMapOvr>
-</p:notes>
-</file>
-
-<file path=ppt/notesSlides/notesSlide61.xml><?xml version="1.0" encoding="utf-8"?>
 <p:notes xmlns:a="http://schemas.openxmlformats.org/drawingml/2006/main" xmlns:r="http://schemas.openxmlformats.org/officeDocument/2006/relationships" xmlns:p="http://schemas.openxmlformats.org/presentationml/2006/main">
   <p:cSld>
     <p:spTree>
@@ -48079,103 +48034,6 @@
                 </a:solidFill>
               </a:rPr>
               <a:t>实现内容相似推荐</a:t>
-            </a:r>
-            <a:endParaRPr lang="zh-CN" sz="5400">
-              <a:solidFill>
-                <a:srgbClr val="C00000"/>
-              </a:solidFill>
-            </a:endParaRPr>
-          </a:p>
-        </p:txBody>
-      </p:sp>
-    </p:spTree>
-  </p:cSld>
-  <p:clrMapOvr>
-    <a:masterClrMapping/>
-  </p:clrMapOvr>
-</p:sld>
-</file>
-
-<file path=ppt/slides/slide69.xml><?xml version="1.0" encoding="utf-8"?>
-<p:sld xmlns:a="http://schemas.openxmlformats.org/drawingml/2006/main" xmlns:r="http://schemas.openxmlformats.org/officeDocument/2006/relationships" xmlns:p="http://schemas.openxmlformats.org/presentationml/2006/main">
-  <p:cSld>
-    <p:bg>
-      <p:bgPr>
-        <a:noFill/>
-        <a:effectLst/>
-      </p:bgPr>
-    </p:bg>
-    <p:spTree>
-      <p:nvGrpSpPr>
-        <p:cNvPr id="1" name=""/>
-        <p:cNvGrpSpPr/>
-        <p:nvPr/>
-      </p:nvGrpSpPr>
-      <p:grpSpPr/>
-      <p:sp>
-        <p:nvSpPr>
-          <p:cNvPr id="2" name="标题 1"/>
-          <p:cNvSpPr>
-            <a:spLocks noGrp="1"/>
-          </p:cNvSpPr>
-          <p:nvPr>
-            <p:ph type="ctrTitle"/>
-          </p:nvPr>
-        </p:nvSpPr>
-        <p:spPr>
-          <a:xfrm>
-            <a:off x="2257425" y="1445260"/>
-            <a:ext cx="7677150" cy="3967480"/>
-          </a:xfrm>
-        </p:spPr>
-        <p:txBody>
-          <a:bodyPr>
-            <a:noAutofit/>
-          </a:bodyPr>
-          <a:p>
-            <a:pPr algn="ctr">
-              <a:lnSpc>
-                <a:spcPct val="150000"/>
-              </a:lnSpc>
-            </a:pPr>
-            <a:r>
-              <a:rPr lang="zh-CN" sz="5400">
-                <a:solidFill>
-                  <a:srgbClr val="C00000"/>
-                </a:solidFill>
-              </a:rPr>
-              <a:t>推荐系统 </a:t>
-            </a:r>
-            <a:r>
-              <a:rPr lang="en-US" altLang="zh-CN" sz="5400">
-                <a:solidFill>
-                  <a:srgbClr val="C00000"/>
-                </a:solidFill>
-              </a:rPr>
-              <a:t>- </a:t>
-            </a:r>
-            <a:r>
-              <a:rPr lang="zh-CN" altLang="en-US" sz="5400">
-                <a:solidFill>
-                  <a:srgbClr val="C00000"/>
-                </a:solidFill>
-              </a:rPr>
-              <a:t>实战</a:t>
-            </a:r>
-            <a:br>
-              <a:rPr lang="zh-CN" sz="5400">
-                <a:solidFill>
-                  <a:srgbClr val="C00000"/>
-                </a:solidFill>
-              </a:rPr>
-            </a:br>
-            <a:r>
-              <a:rPr lang="zh-CN" sz="5400">
-                <a:solidFill>
-                  <a:srgbClr val="C00000"/>
-                </a:solidFill>
-              </a:rPr>
-              <a:t>使用腾讯开源Word2vec实现内容相似推荐</a:t>
             </a:r>
             <a:endParaRPr lang="zh-CN" sz="5400">
               <a:solidFill>

--- a/推荐系统系列.pptx
+++ b/推荐系统系列.pptx
@@ -8,7 +8,7 @@
     <p:notesMasterId r:id="rId6"/>
   </p:notesMasterIdLst>
   <p:handoutMasterIdLst>
-    <p:handoutMasterId r:id="rId73"/>
+    <p:handoutMasterId r:id="rId77"/>
   </p:handoutMasterIdLst>
   <p:sldIdLst>
     <p:sldId id="256" r:id="rId3"/>
@@ -80,6 +80,10 @@
     <p:sldId id="336" r:id="rId70"/>
     <p:sldId id="339" r:id="rId71"/>
     <p:sldId id="340" r:id="rId72"/>
+    <p:sldId id="341" r:id="rId73"/>
+    <p:sldId id="342" r:id="rId74"/>
+    <p:sldId id="343" r:id="rId75"/>
+    <p:sldId id="344" r:id="rId76"/>
   </p:sldIdLst>
   <p:sldSz cx="12192000" cy="6858000"/>
   <p:notesSz cx="6858000" cy="9144000"/>
@@ -353,7 +357,7 @@
           <inkml:channelProperty channel="Y" name="resolution" value="28.3464566929134" units="1/cm"/>
         </inkml:channelProperties>
       </inkml:inkSource>
-      <inkml:timestamp xml:id="ts0" timeString="2020-07-27T23:59:22"/>
+      <inkml:timestamp xml:id="ts0" timeString="2020-08-01T12:39:49"/>
     </inkml:context>
     <inkml:brush xml:id="br0">
       <inkml:brushProperty name="width" value="0.09701" units="cm"/>
@@ -380,7 +384,7 @@
           <inkml:channelProperty channel="Y" name="resolution" value="28.3464566929134" units="1/cm"/>
         </inkml:channelProperties>
       </inkml:inkSource>
-      <inkml:timestamp xml:id="ts0" timeString="2020-07-27T23:59:22"/>
+      <inkml:timestamp xml:id="ts0" timeString="2020-08-01T12:39:49"/>
     </inkml:context>
     <inkml:brush xml:id="br0">
       <inkml:brushProperty name="width" value="0.09701" units="cm"/>
@@ -407,7 +411,7 @@
           <inkml:channelProperty channel="Y" name="resolution" value="28.3464566929134" units="1/cm"/>
         </inkml:channelProperties>
       </inkml:inkSource>
-      <inkml:timestamp xml:id="ts0" timeString="2020-07-27T23:59:22"/>
+      <inkml:timestamp xml:id="ts0" timeString="2020-08-01T12:39:49"/>
     </inkml:context>
     <inkml:brush xml:id="br0">
       <inkml:brushProperty name="width" value="0.09701" units="cm"/>
@@ -434,7 +438,7 @@
           <inkml:channelProperty channel="Y" name="resolution" value="28.3464566929134" units="1/cm"/>
         </inkml:channelProperties>
       </inkml:inkSource>
-      <inkml:timestamp xml:id="ts0" timeString="2020-07-27T23:59:22"/>
+      <inkml:timestamp xml:id="ts0" timeString="2020-08-01T12:39:49"/>
     </inkml:context>
     <inkml:brush xml:id="br0">
       <inkml:brushProperty name="width" value="0.09701" units="cm"/>
@@ -461,7 +465,7 @@
           <inkml:channelProperty channel="Y" name="resolution" value="28.3464566929134" units="1/cm"/>
         </inkml:channelProperties>
       </inkml:inkSource>
-      <inkml:timestamp xml:id="ts0" timeString="2020-07-27T23:59:22"/>
+      <inkml:timestamp xml:id="ts0" timeString="2020-08-01T12:39:49"/>
     </inkml:context>
     <inkml:brush xml:id="br0">
       <inkml:brushProperty name="width" value="0.09701" units="cm"/>
@@ -488,7 +492,7 @@
           <inkml:channelProperty channel="Y" name="resolution" value="28.3464566929134" units="1/cm"/>
         </inkml:channelProperties>
       </inkml:inkSource>
-      <inkml:timestamp xml:id="ts0" timeString="2020-07-27T23:59:22"/>
+      <inkml:timestamp xml:id="ts0" timeString="2020-08-01T12:39:49"/>
     </inkml:context>
     <inkml:brush xml:id="br0">
       <inkml:brushProperty name="width" value="0.09701" units="cm"/>
@@ -515,7 +519,7 @@
           <inkml:channelProperty channel="Y" name="resolution" value="28.3464566929134" units="1/cm"/>
         </inkml:channelProperties>
       </inkml:inkSource>
-      <inkml:timestamp xml:id="ts0" timeString="2020-07-27T23:59:22"/>
+      <inkml:timestamp xml:id="ts0" timeString="2020-08-01T12:39:49"/>
     </inkml:context>
     <inkml:brush xml:id="br0">
       <inkml:brushProperty name="width" value="0.09701" units="cm"/>
@@ -542,7 +546,7 @@
           <inkml:channelProperty channel="Y" name="resolution" value="28.3464566929134" units="1/cm"/>
         </inkml:channelProperties>
       </inkml:inkSource>
-      <inkml:timestamp xml:id="ts0" timeString="2020-07-27T23:59:22"/>
+      <inkml:timestamp xml:id="ts0" timeString="2020-08-01T12:39:49"/>
     </inkml:context>
     <inkml:brush xml:id="br0">
       <inkml:brushProperty name="width" value="0.09701" units="cm"/>
@@ -569,7 +573,7 @@
           <inkml:channelProperty channel="Y" name="resolution" value="28.3464566929134" units="1/cm"/>
         </inkml:channelProperties>
       </inkml:inkSource>
-      <inkml:timestamp xml:id="ts0" timeString="2020-07-27T23:59:22"/>
+      <inkml:timestamp xml:id="ts0" timeString="2020-08-01T12:39:49"/>
     </inkml:context>
     <inkml:brush xml:id="br0">
       <inkml:brushProperty name="width" value="0.09701" units="cm"/>
@@ -596,7 +600,7 @@
           <inkml:channelProperty channel="Y" name="resolution" value="28.3464566929134" units="1/cm"/>
         </inkml:channelProperties>
       </inkml:inkSource>
-      <inkml:timestamp xml:id="ts0" timeString="2020-07-27T23:59:22"/>
+      <inkml:timestamp xml:id="ts0" timeString="2020-08-01T12:39:49"/>
     </inkml:context>
     <inkml:brush xml:id="br0">
       <inkml:brushProperty name="width" value="0.09701" units="cm"/>
@@ -623,7 +627,7 @@
           <inkml:channelProperty channel="Y" name="resolution" value="28.3464566929134" units="1/cm"/>
         </inkml:channelProperties>
       </inkml:inkSource>
-      <inkml:timestamp xml:id="ts0" timeString="2020-07-27T23:59:22"/>
+      <inkml:timestamp xml:id="ts0" timeString="2020-08-01T12:39:49"/>
     </inkml:context>
     <inkml:brush xml:id="br0">
       <inkml:brushProperty name="width" value="0.09701" units="cm"/>
@@ -650,7 +654,7 @@
           <inkml:channelProperty channel="Y" name="resolution" value="28.3464566929134" units="1/cm"/>
         </inkml:channelProperties>
       </inkml:inkSource>
-      <inkml:timestamp xml:id="ts0" timeString="2020-07-27T23:59:22"/>
+      <inkml:timestamp xml:id="ts0" timeString="2020-08-01T12:39:49"/>
     </inkml:context>
     <inkml:brush xml:id="br0">
       <inkml:brushProperty name="width" value="0.09701" units="cm"/>
@@ -677,7 +681,7 @@
           <inkml:channelProperty channel="Y" name="resolution" value="28.3464566929134" units="1/cm"/>
         </inkml:channelProperties>
       </inkml:inkSource>
-      <inkml:timestamp xml:id="ts0" timeString="2020-07-27T23:59:22"/>
+      <inkml:timestamp xml:id="ts0" timeString="2020-08-01T12:39:49"/>
     </inkml:context>
     <inkml:brush xml:id="br0">
       <inkml:brushProperty name="width" value="0.09701" units="cm"/>
@@ -704,7 +708,7 @@
           <inkml:channelProperty channel="Y" name="resolution" value="28.3464566929134" units="1/cm"/>
         </inkml:channelProperties>
       </inkml:inkSource>
-      <inkml:timestamp xml:id="ts0" timeString="2020-07-27T23:59:22"/>
+      <inkml:timestamp xml:id="ts0" timeString="2020-08-01T12:39:49"/>
     </inkml:context>
     <inkml:brush xml:id="br0">
       <inkml:brushProperty name="width" value="0.09701" units="cm"/>
@@ -731,7 +735,7 @@
           <inkml:channelProperty channel="Y" name="resolution" value="28.3464566929134" units="1/cm"/>
         </inkml:channelProperties>
       </inkml:inkSource>
-      <inkml:timestamp xml:id="ts0" timeString="2020-07-27T23:59:22"/>
+      <inkml:timestamp xml:id="ts0" timeString="2020-08-01T12:39:49"/>
     </inkml:context>
     <inkml:brush xml:id="br0">
       <inkml:brushProperty name="width" value="0.09701" units="cm"/>
@@ -758,7 +762,7 @@
           <inkml:channelProperty channel="Y" name="resolution" value="28.3464566929134" units="1/cm"/>
         </inkml:channelProperties>
       </inkml:inkSource>
-      <inkml:timestamp xml:id="ts0" timeString="2020-07-27T23:59:22"/>
+      <inkml:timestamp xml:id="ts0" timeString="2020-08-01T12:39:49"/>
     </inkml:context>
     <inkml:brush xml:id="br0">
       <inkml:brushProperty name="width" value="0.09701" units="cm"/>
@@ -785,7 +789,7 @@
           <inkml:channelProperty channel="Y" name="resolution" value="28.3464566929134" units="1/cm"/>
         </inkml:channelProperties>
       </inkml:inkSource>
-      <inkml:timestamp xml:id="ts0" timeString="2020-07-27T23:59:22"/>
+      <inkml:timestamp xml:id="ts0" timeString="2020-08-01T12:39:49"/>
     </inkml:context>
     <inkml:brush xml:id="br0">
       <inkml:brushProperty name="width" value="0.09701" units="cm"/>
@@ -812,7 +816,7 @@
           <inkml:channelProperty channel="Y" name="resolution" value="28.3464566929134" units="1/cm"/>
         </inkml:channelProperties>
       </inkml:inkSource>
-      <inkml:timestamp xml:id="ts0" timeString="2020-07-27T23:59:22"/>
+      <inkml:timestamp xml:id="ts0" timeString="2020-08-01T12:39:49"/>
     </inkml:context>
     <inkml:brush xml:id="br0">
       <inkml:brushProperty name="width" value="0.09701" units="cm"/>
@@ -839,7 +843,7 @@
           <inkml:channelProperty channel="Y" name="resolution" value="28.3464566929134" units="1/cm"/>
         </inkml:channelProperties>
       </inkml:inkSource>
-      <inkml:timestamp xml:id="ts0" timeString="2020-07-27T23:59:22"/>
+      <inkml:timestamp xml:id="ts0" timeString="2020-08-01T12:39:49"/>
     </inkml:context>
     <inkml:brush xml:id="br0">
       <inkml:brushProperty name="width" value="0.09701" units="cm"/>
@@ -866,7 +870,7 @@
           <inkml:channelProperty channel="Y" name="resolution" value="28.3464566929134" units="1/cm"/>
         </inkml:channelProperties>
       </inkml:inkSource>
-      <inkml:timestamp xml:id="ts0" timeString="2020-07-27T23:59:22"/>
+      <inkml:timestamp xml:id="ts0" timeString="2020-08-01T12:39:49"/>
     </inkml:context>
     <inkml:brush xml:id="br0">
       <inkml:brushProperty name="width" value="0.09701" units="cm"/>
@@ -893,7 +897,7 @@
           <inkml:channelProperty channel="Y" name="resolution" value="28.3464566929134" units="1/cm"/>
         </inkml:channelProperties>
       </inkml:inkSource>
-      <inkml:timestamp xml:id="ts0" timeString="2020-07-27T23:59:22"/>
+      <inkml:timestamp xml:id="ts0" timeString="2020-08-01T12:39:49"/>
     </inkml:context>
     <inkml:brush xml:id="br0">
       <inkml:brushProperty name="width" value="0.09701" units="cm"/>
@@ -920,7 +924,7 @@
           <inkml:channelProperty channel="Y" name="resolution" value="28.3464566929134" units="1/cm"/>
         </inkml:channelProperties>
       </inkml:inkSource>
-      <inkml:timestamp xml:id="ts0" timeString="2020-07-27T23:59:22"/>
+      <inkml:timestamp xml:id="ts0" timeString="2020-08-01T12:39:49"/>
     </inkml:context>
     <inkml:brush xml:id="br0">
       <inkml:brushProperty name="width" value="0.09701" units="cm"/>
@@ -947,7 +951,7 @@
           <inkml:channelProperty channel="Y" name="resolution" value="28.3464566929134" units="1/cm"/>
         </inkml:channelProperties>
       </inkml:inkSource>
-      <inkml:timestamp xml:id="ts0" timeString="2020-07-27T23:59:22"/>
+      <inkml:timestamp xml:id="ts0" timeString="2020-08-01T12:39:49"/>
     </inkml:context>
     <inkml:brush xml:id="br0">
       <inkml:brushProperty name="width" value="0.09701" units="cm"/>
@@ -974,7 +978,7 @@
           <inkml:channelProperty channel="Y" name="resolution" value="28.3464566929134" units="1/cm"/>
         </inkml:channelProperties>
       </inkml:inkSource>
-      <inkml:timestamp xml:id="ts0" timeString="2020-07-27T23:59:22"/>
+      <inkml:timestamp xml:id="ts0" timeString="2020-08-01T12:39:49"/>
     </inkml:context>
     <inkml:brush xml:id="br0">
       <inkml:brushProperty name="width" value="0.09701" units="cm"/>
@@ -1001,7 +1005,7 @@
           <inkml:channelProperty channel="Y" name="resolution" value="28.3464566929134" units="1/cm"/>
         </inkml:channelProperties>
       </inkml:inkSource>
-      <inkml:timestamp xml:id="ts0" timeString="2020-07-27T23:59:22"/>
+      <inkml:timestamp xml:id="ts0" timeString="2020-08-01T12:39:49"/>
     </inkml:context>
     <inkml:brush xml:id="br0">
       <inkml:brushProperty name="width" value="0.09701" units="cm"/>
@@ -1028,7 +1032,7 @@
           <inkml:channelProperty channel="Y" name="resolution" value="28.3464566929134" units="1/cm"/>
         </inkml:channelProperties>
       </inkml:inkSource>
-      <inkml:timestamp xml:id="ts0" timeString="2020-07-27T23:59:22"/>
+      <inkml:timestamp xml:id="ts0" timeString="2020-08-01T12:39:49"/>
     </inkml:context>
     <inkml:brush xml:id="br0">
       <inkml:brushProperty name="width" value="0.09701" units="cm"/>
@@ -1055,7 +1059,7 @@
           <inkml:channelProperty channel="Y" name="resolution" value="28.3464566929134" units="1/cm"/>
         </inkml:channelProperties>
       </inkml:inkSource>
-      <inkml:timestamp xml:id="ts0" timeString="2020-07-27T23:59:22"/>
+      <inkml:timestamp xml:id="ts0" timeString="2020-08-01T12:39:49"/>
     </inkml:context>
     <inkml:brush xml:id="br0">
       <inkml:brushProperty name="width" value="0.09701" units="cm"/>
@@ -1082,7 +1086,7 @@
           <inkml:channelProperty channel="Y" name="resolution" value="28.3464566929134" units="1/cm"/>
         </inkml:channelProperties>
       </inkml:inkSource>
-      <inkml:timestamp xml:id="ts0" timeString="2020-07-27T23:59:22"/>
+      <inkml:timestamp xml:id="ts0" timeString="2020-08-01T12:39:49"/>
     </inkml:context>
     <inkml:brush xml:id="br0">
       <inkml:brushProperty name="width" value="0.09701" units="cm"/>
@@ -1109,7 +1113,7 @@
           <inkml:channelProperty channel="Y" name="resolution" value="28.3464566929134" units="1/cm"/>
         </inkml:channelProperties>
       </inkml:inkSource>
-      <inkml:timestamp xml:id="ts0" timeString="2020-07-27T23:59:22"/>
+      <inkml:timestamp xml:id="ts0" timeString="2020-08-01T12:39:49"/>
     </inkml:context>
     <inkml:brush xml:id="br0">
       <inkml:brushProperty name="width" value="0.09701" units="cm"/>
@@ -1136,7 +1140,7 @@
           <inkml:channelProperty channel="Y" name="resolution" value="28.3464566929134" units="1/cm"/>
         </inkml:channelProperties>
       </inkml:inkSource>
-      <inkml:timestamp xml:id="ts0" timeString="2020-07-27T23:59:22"/>
+      <inkml:timestamp xml:id="ts0" timeString="2020-08-01T12:39:49"/>
     </inkml:context>
     <inkml:brush xml:id="br0">
       <inkml:brushProperty name="width" value="0.09701" units="cm"/>
@@ -1163,7 +1167,7 @@
           <inkml:channelProperty channel="Y" name="resolution" value="28.3464566929134" units="1/cm"/>
         </inkml:channelProperties>
       </inkml:inkSource>
-      <inkml:timestamp xml:id="ts0" timeString="2020-07-27T23:59:22"/>
+      <inkml:timestamp xml:id="ts0" timeString="2020-08-01T12:39:49"/>
     </inkml:context>
     <inkml:brush xml:id="br0">
       <inkml:brushProperty name="width" value="0.09701" units="cm"/>
@@ -1190,7 +1194,7 @@
           <inkml:channelProperty channel="Y" name="resolution" value="28.3464566929134" units="1/cm"/>
         </inkml:channelProperties>
       </inkml:inkSource>
-      <inkml:timestamp xml:id="ts0" timeString="2020-07-27T23:59:22"/>
+      <inkml:timestamp xml:id="ts0" timeString="2020-08-01T12:39:49"/>
     </inkml:context>
     <inkml:brush xml:id="br0">
       <inkml:brushProperty name="width" value="0.09701" units="cm"/>
@@ -1217,7 +1221,7 @@
           <inkml:channelProperty channel="Y" name="resolution" value="28.3464566929134" units="1/cm"/>
         </inkml:channelProperties>
       </inkml:inkSource>
-      <inkml:timestamp xml:id="ts0" timeString="2020-07-27T23:59:22"/>
+      <inkml:timestamp xml:id="ts0" timeString="2020-08-01T12:39:49"/>
     </inkml:context>
     <inkml:brush xml:id="br0">
       <inkml:brushProperty name="width" value="0.09701" units="cm"/>
@@ -1244,7 +1248,7 @@
           <inkml:channelProperty channel="Y" name="resolution" value="28.3464566929134" units="1/cm"/>
         </inkml:channelProperties>
       </inkml:inkSource>
-      <inkml:timestamp xml:id="ts0" timeString="2020-07-27T23:59:22"/>
+      <inkml:timestamp xml:id="ts0" timeString="2020-08-01T12:39:49"/>
     </inkml:context>
     <inkml:brush xml:id="br0">
       <inkml:brushProperty name="width" value="0.09701" units="cm"/>
@@ -1271,7 +1275,7 @@
           <inkml:channelProperty channel="Y" name="resolution" value="28.3464566929134" units="1/cm"/>
         </inkml:channelProperties>
       </inkml:inkSource>
-      <inkml:timestamp xml:id="ts0" timeString="2020-07-27T23:59:22"/>
+      <inkml:timestamp xml:id="ts0" timeString="2020-08-01T12:39:49"/>
     </inkml:context>
     <inkml:brush xml:id="br0">
       <inkml:brushProperty name="width" value="0.09701" units="cm"/>
@@ -4140,6 +4144,182 @@
 </file>
 
 <file path=ppt/notesSlides/notesSlide61.xml><?xml version="1.0" encoding="utf-8"?>
+<p:notes xmlns:a="http://schemas.openxmlformats.org/drawingml/2006/main" xmlns:r="http://schemas.openxmlformats.org/officeDocument/2006/relationships" xmlns:p="http://schemas.openxmlformats.org/presentationml/2006/main">
+  <p:cSld>
+    <p:spTree>
+      <p:nvGrpSpPr>
+        <p:cNvPr id="1" name=""/>
+        <p:cNvGrpSpPr/>
+        <p:nvPr/>
+      </p:nvGrpSpPr>
+      <p:grpSpPr/>
+      <p:sp>
+        <p:nvSpPr>
+          <p:cNvPr id="2" name="幻灯片图像占位符 1"/>
+          <p:cNvSpPr/>
+          <p:nvPr>
+            <p:ph type="sldImg" idx="2"/>
+          </p:nvPr>
+        </p:nvSpPr>
+        <p:spPr/>
+      </p:sp>
+      <p:sp>
+        <p:nvSpPr>
+          <p:cNvPr id="3" name="文本占位符 2"/>
+          <p:cNvSpPr/>
+          <p:nvPr>
+            <p:ph type="body" idx="3"/>
+          </p:nvPr>
+        </p:nvSpPr>
+        <p:spPr/>
+        <p:txBody>
+          <a:bodyPr/>
+          <a:p>
+            <a:endParaRPr lang="zh-CN" altLang="en-US"/>
+          </a:p>
+        </p:txBody>
+      </p:sp>
+    </p:spTree>
+  </p:cSld>
+  <p:clrMapOvr>
+    <a:masterClrMapping/>
+  </p:clrMapOvr>
+</p:notes>
+</file>
+
+<file path=ppt/notesSlides/notesSlide62.xml><?xml version="1.0" encoding="utf-8"?>
+<p:notes xmlns:a="http://schemas.openxmlformats.org/drawingml/2006/main" xmlns:r="http://schemas.openxmlformats.org/officeDocument/2006/relationships" xmlns:p="http://schemas.openxmlformats.org/presentationml/2006/main">
+  <p:cSld>
+    <p:spTree>
+      <p:nvGrpSpPr>
+        <p:cNvPr id="1" name=""/>
+        <p:cNvGrpSpPr/>
+        <p:nvPr/>
+      </p:nvGrpSpPr>
+      <p:grpSpPr/>
+      <p:sp>
+        <p:nvSpPr>
+          <p:cNvPr id="2" name="幻灯片图像占位符 1"/>
+          <p:cNvSpPr/>
+          <p:nvPr>
+            <p:ph type="sldImg" idx="2"/>
+          </p:nvPr>
+        </p:nvSpPr>
+        <p:spPr/>
+      </p:sp>
+      <p:sp>
+        <p:nvSpPr>
+          <p:cNvPr id="3" name="文本占位符 2"/>
+          <p:cNvSpPr/>
+          <p:nvPr>
+            <p:ph type="body" idx="3"/>
+          </p:nvPr>
+        </p:nvSpPr>
+        <p:spPr/>
+        <p:txBody>
+          <a:bodyPr/>
+          <a:p>
+            <a:endParaRPr lang="zh-CN" altLang="en-US"/>
+          </a:p>
+        </p:txBody>
+      </p:sp>
+    </p:spTree>
+  </p:cSld>
+  <p:clrMapOvr>
+    <a:masterClrMapping/>
+  </p:clrMapOvr>
+</p:notes>
+</file>
+
+<file path=ppt/notesSlides/notesSlide63.xml><?xml version="1.0" encoding="utf-8"?>
+<p:notes xmlns:a="http://schemas.openxmlformats.org/drawingml/2006/main" xmlns:r="http://schemas.openxmlformats.org/officeDocument/2006/relationships" xmlns:p="http://schemas.openxmlformats.org/presentationml/2006/main">
+  <p:cSld>
+    <p:spTree>
+      <p:nvGrpSpPr>
+        <p:cNvPr id="1" name=""/>
+        <p:cNvGrpSpPr/>
+        <p:nvPr/>
+      </p:nvGrpSpPr>
+      <p:grpSpPr/>
+      <p:sp>
+        <p:nvSpPr>
+          <p:cNvPr id="2" name="幻灯片图像占位符 1"/>
+          <p:cNvSpPr/>
+          <p:nvPr>
+            <p:ph type="sldImg" idx="2"/>
+          </p:nvPr>
+        </p:nvSpPr>
+        <p:spPr/>
+      </p:sp>
+      <p:sp>
+        <p:nvSpPr>
+          <p:cNvPr id="3" name="文本占位符 2"/>
+          <p:cNvSpPr/>
+          <p:nvPr>
+            <p:ph type="body" idx="3"/>
+          </p:nvPr>
+        </p:nvSpPr>
+        <p:spPr/>
+        <p:txBody>
+          <a:bodyPr/>
+          <a:p>
+            <a:endParaRPr lang="zh-CN" altLang="en-US"/>
+          </a:p>
+        </p:txBody>
+      </p:sp>
+    </p:spTree>
+  </p:cSld>
+  <p:clrMapOvr>
+    <a:masterClrMapping/>
+  </p:clrMapOvr>
+</p:notes>
+</file>
+
+<file path=ppt/notesSlides/notesSlide64.xml><?xml version="1.0" encoding="utf-8"?>
+<p:notes xmlns:a="http://schemas.openxmlformats.org/drawingml/2006/main" xmlns:r="http://schemas.openxmlformats.org/officeDocument/2006/relationships" xmlns:p="http://schemas.openxmlformats.org/presentationml/2006/main">
+  <p:cSld>
+    <p:spTree>
+      <p:nvGrpSpPr>
+        <p:cNvPr id="1" name=""/>
+        <p:cNvGrpSpPr/>
+        <p:nvPr/>
+      </p:nvGrpSpPr>
+      <p:grpSpPr/>
+      <p:sp>
+        <p:nvSpPr>
+          <p:cNvPr id="2" name="幻灯片图像占位符 1"/>
+          <p:cNvSpPr/>
+          <p:nvPr>
+            <p:ph type="sldImg" idx="2"/>
+          </p:nvPr>
+        </p:nvSpPr>
+        <p:spPr/>
+      </p:sp>
+      <p:sp>
+        <p:nvSpPr>
+          <p:cNvPr id="3" name="文本占位符 2"/>
+          <p:cNvSpPr/>
+          <p:nvPr>
+            <p:ph type="body" idx="3"/>
+          </p:nvPr>
+        </p:nvSpPr>
+        <p:spPr/>
+        <p:txBody>
+          <a:bodyPr/>
+          <a:p>
+            <a:endParaRPr lang="zh-CN" altLang="en-US"/>
+          </a:p>
+        </p:txBody>
+      </p:sp>
+    </p:spTree>
+  </p:cSld>
+  <p:clrMapOvr>
+    <a:masterClrMapping/>
+  </p:clrMapOvr>
+</p:notes>
+</file>
+
+<file path=ppt/notesSlides/notesSlide65.xml><?xml version="1.0" encoding="utf-8"?>
 <p:notes xmlns:a="http://schemas.openxmlformats.org/drawingml/2006/main" xmlns:r="http://schemas.openxmlformats.org/officeDocument/2006/relationships" xmlns:p="http://schemas.openxmlformats.org/presentationml/2006/main">
   <p:cSld>
     <p:spTree>
@@ -48343,6 +48523,454 @@
             <a:endParaRPr lang="zh-CN" altLang="en-US" sz="3600">
               <a:latin typeface="+mn-ea"/>
               <a:cs typeface="+mn-ea"/>
+            </a:endParaRPr>
+          </a:p>
+        </p:txBody>
+      </p:sp>
+    </p:spTree>
+  </p:cSld>
+  <p:clrMapOvr>
+    <a:masterClrMapping/>
+  </p:clrMapOvr>
+</p:sld>
+</file>
+
+<file path=ppt/slides/slide70.xml><?xml version="1.0" encoding="utf-8"?>
+<p:sld xmlns:a="http://schemas.openxmlformats.org/drawingml/2006/main" xmlns:r="http://schemas.openxmlformats.org/officeDocument/2006/relationships" xmlns:p="http://schemas.openxmlformats.org/presentationml/2006/main">
+  <p:cSld>
+    <p:bg>
+      <p:bgPr>
+        <a:noFill/>
+        <a:effectLst/>
+      </p:bgPr>
+    </p:bg>
+    <p:spTree>
+      <p:nvGrpSpPr>
+        <p:cNvPr id="1" name=""/>
+        <p:cNvGrpSpPr/>
+        <p:nvPr/>
+      </p:nvGrpSpPr>
+      <p:grpSpPr/>
+      <p:sp>
+        <p:nvSpPr>
+          <p:cNvPr id="2" name="标题 1"/>
+          <p:cNvSpPr>
+            <a:spLocks noGrp="1"/>
+          </p:cNvSpPr>
+          <p:nvPr>
+            <p:ph type="ctrTitle"/>
+          </p:nvPr>
+        </p:nvSpPr>
+        <p:spPr>
+          <a:xfrm>
+            <a:off x="2257425" y="1445260"/>
+            <a:ext cx="7677150" cy="3967480"/>
+          </a:xfrm>
+        </p:spPr>
+        <p:txBody>
+          <a:bodyPr>
+            <a:noAutofit/>
+          </a:bodyPr>
+          <a:p>
+            <a:pPr algn="ctr">
+              <a:lnSpc>
+                <a:spcPct val="150000"/>
+              </a:lnSpc>
+            </a:pPr>
+            <a:r>
+              <a:rPr lang="zh-CN" sz="5400">
+                <a:solidFill>
+                  <a:srgbClr val="C00000"/>
+                </a:solidFill>
+              </a:rPr>
+              <a:t>推荐系统 </a:t>
+            </a:r>
+            <a:r>
+              <a:rPr lang="en-US" altLang="zh-CN" sz="5400">
+                <a:solidFill>
+                  <a:srgbClr val="C00000"/>
+                </a:solidFill>
+              </a:rPr>
+              <a:t>- </a:t>
+            </a:r>
+            <a:r>
+              <a:rPr lang="zh-CN" altLang="en-US" sz="5400">
+                <a:solidFill>
+                  <a:srgbClr val="C00000"/>
+                </a:solidFill>
+              </a:rPr>
+              <a:t>实战</a:t>
+            </a:r>
+            <a:br>
+              <a:rPr lang="zh-CN" sz="5400">
+                <a:solidFill>
+                  <a:srgbClr val="C00000"/>
+                </a:solidFill>
+              </a:rPr>
+            </a:br>
+            <a:r>
+              <a:rPr lang="zh-CN" sz="5400">
+                <a:solidFill>
+                  <a:srgbClr val="C00000"/>
+                </a:solidFill>
+              </a:rPr>
+              <a:t>Python训练item2vec</a:t>
+            </a:r>
+            <a:br>
+              <a:rPr lang="zh-CN" sz="5400">
+                <a:solidFill>
+                  <a:srgbClr val="C00000"/>
+                </a:solidFill>
+              </a:rPr>
+            </a:br>
+            <a:r>
+              <a:rPr lang="zh-CN" sz="5400">
+                <a:solidFill>
+                  <a:srgbClr val="C00000"/>
+                </a:solidFill>
+              </a:rPr>
+              <a:t>实现电影相关推荐</a:t>
+            </a:r>
+            <a:endParaRPr lang="zh-CN" sz="5400">
+              <a:solidFill>
+                <a:srgbClr val="C00000"/>
+              </a:solidFill>
+            </a:endParaRPr>
+          </a:p>
+        </p:txBody>
+      </p:sp>
+    </p:spTree>
+  </p:cSld>
+  <p:clrMapOvr>
+    <a:masterClrMapping/>
+  </p:clrMapOvr>
+</p:sld>
+</file>
+
+<file path=ppt/slides/slide71.xml><?xml version="1.0" encoding="utf-8"?>
+<p:sld xmlns:a="http://schemas.openxmlformats.org/drawingml/2006/main" xmlns:r="http://schemas.openxmlformats.org/officeDocument/2006/relationships" xmlns:p="http://schemas.openxmlformats.org/presentationml/2006/main">
+  <p:cSld>
+    <p:bg>
+      <p:bgPr>
+        <a:noFill/>
+        <a:effectLst/>
+      </p:bgPr>
+    </p:bg>
+    <p:spTree>
+      <p:nvGrpSpPr>
+        <p:cNvPr id="1" name=""/>
+        <p:cNvGrpSpPr/>
+        <p:nvPr/>
+      </p:nvGrpSpPr>
+      <p:grpSpPr/>
+      <p:sp>
+        <p:nvSpPr>
+          <p:cNvPr id="2" name="标题 1"/>
+          <p:cNvSpPr>
+            <a:spLocks noGrp="1"/>
+          </p:cNvSpPr>
+          <p:nvPr>
+            <p:ph type="ctrTitle"/>
+          </p:nvPr>
+        </p:nvSpPr>
+        <p:spPr>
+          <a:xfrm>
+            <a:off x="2257425" y="1445260"/>
+            <a:ext cx="7677150" cy="3967480"/>
+          </a:xfrm>
+        </p:spPr>
+        <p:txBody>
+          <a:bodyPr>
+            <a:noAutofit/>
+          </a:bodyPr>
+          <a:p>
+            <a:pPr algn="ctr">
+              <a:lnSpc>
+                <a:spcPct val="150000"/>
+              </a:lnSpc>
+            </a:pPr>
+            <a:r>
+              <a:rPr lang="zh-CN" sz="5400">
+                <a:solidFill>
+                  <a:srgbClr val="C00000"/>
+                </a:solidFill>
+              </a:rPr>
+              <a:t>推荐系统 </a:t>
+            </a:r>
+            <a:r>
+              <a:rPr lang="en-US" altLang="zh-CN" sz="5400">
+                <a:solidFill>
+                  <a:srgbClr val="C00000"/>
+                </a:solidFill>
+              </a:rPr>
+              <a:t>- </a:t>
+            </a:r>
+            <a:r>
+              <a:rPr lang="zh-CN" altLang="en-US" sz="5400">
+                <a:solidFill>
+                  <a:srgbClr val="C00000"/>
+                </a:solidFill>
+              </a:rPr>
+              <a:t>实战</a:t>
+            </a:r>
+            <a:br>
+              <a:rPr lang="zh-CN" sz="5400">
+                <a:solidFill>
+                  <a:srgbClr val="C00000"/>
+                </a:solidFill>
+              </a:rPr>
+            </a:br>
+            <a:r>
+              <a:rPr lang="zh-CN" sz="5400">
+                <a:solidFill>
+                  <a:srgbClr val="C00000"/>
+                </a:solidFill>
+              </a:rPr>
+              <a:t>Python使用SparkALS</a:t>
+            </a:r>
+            <a:br>
+              <a:rPr lang="zh-CN" sz="5400">
+                <a:solidFill>
+                  <a:srgbClr val="C00000"/>
+                </a:solidFill>
+              </a:rPr>
+            </a:br>
+            <a:r>
+              <a:rPr lang="zh-CN" sz="5400">
+                <a:solidFill>
+                  <a:srgbClr val="C00000"/>
+                </a:solidFill>
+              </a:rPr>
+              <a:t>矩阵分解实现电影推荐</a:t>
+            </a:r>
+            <a:endParaRPr lang="zh-CN" sz="5400">
+              <a:solidFill>
+                <a:srgbClr val="C00000"/>
+              </a:solidFill>
+            </a:endParaRPr>
+          </a:p>
+        </p:txBody>
+      </p:sp>
+    </p:spTree>
+  </p:cSld>
+  <p:clrMapOvr>
+    <a:masterClrMapping/>
+  </p:clrMapOvr>
+</p:sld>
+</file>
+
+<file path=ppt/slides/slide72.xml><?xml version="1.0" encoding="utf-8"?>
+<p:sld xmlns:a="http://schemas.openxmlformats.org/drawingml/2006/main" xmlns:r="http://schemas.openxmlformats.org/officeDocument/2006/relationships" xmlns:p="http://schemas.openxmlformats.org/presentationml/2006/main">
+  <p:cSld>
+    <p:bg>
+      <p:bgPr>
+        <a:noFill/>
+        <a:effectLst/>
+      </p:bgPr>
+    </p:bg>
+    <p:spTree>
+      <p:nvGrpSpPr>
+        <p:cNvPr id="1" name=""/>
+        <p:cNvGrpSpPr/>
+        <p:nvPr/>
+      </p:nvGrpSpPr>
+      <p:grpSpPr/>
+      <p:sp>
+        <p:nvSpPr>
+          <p:cNvPr id="2" name="标题 1"/>
+          <p:cNvSpPr>
+            <a:spLocks noGrp="1"/>
+          </p:cNvSpPr>
+          <p:nvPr>
+            <p:ph type="ctrTitle"/>
+          </p:nvPr>
+        </p:nvSpPr>
+        <p:spPr>
+          <a:xfrm>
+            <a:off x="2257425" y="1445260"/>
+            <a:ext cx="7677150" cy="3967480"/>
+          </a:xfrm>
+        </p:spPr>
+        <p:txBody>
+          <a:bodyPr>
+            <a:noAutofit/>
+          </a:bodyPr>
+          <a:p>
+            <a:pPr algn="ctr">
+              <a:lnSpc>
+                <a:spcPct val="150000"/>
+              </a:lnSpc>
+            </a:pPr>
+            <a:r>
+              <a:rPr lang="zh-CN" sz="5400">
+                <a:solidFill>
+                  <a:srgbClr val="C00000"/>
+                </a:solidFill>
+              </a:rPr>
+              <a:t>推荐系统 </a:t>
+            </a:r>
+            <a:r>
+              <a:rPr lang="en-US" altLang="zh-CN" sz="5400">
+                <a:solidFill>
+                  <a:srgbClr val="C00000"/>
+                </a:solidFill>
+              </a:rPr>
+              <a:t>- </a:t>
+            </a:r>
+            <a:r>
+              <a:rPr lang="zh-CN" altLang="en-US" sz="5400">
+                <a:solidFill>
+                  <a:srgbClr val="C00000"/>
+                </a:solidFill>
+              </a:rPr>
+              <a:t>实战</a:t>
+            </a:r>
+            <a:br>
+              <a:rPr lang="zh-CN" sz="5400">
+                <a:solidFill>
+                  <a:srgbClr val="C00000"/>
+                </a:solidFill>
+              </a:rPr>
+            </a:br>
+            <a:r>
+              <a:rPr lang="zh-CN" sz="5400">
+                <a:solidFill>
+                  <a:srgbClr val="C00000"/>
+                </a:solidFill>
+              </a:rPr>
+              <a:t>Python实现</a:t>
+            </a:r>
+            <a:br>
+              <a:rPr lang="zh-CN" sz="5400">
+                <a:solidFill>
+                  <a:srgbClr val="C00000"/>
+                </a:solidFill>
+              </a:rPr>
+            </a:br>
+            <a:r>
+              <a:rPr lang="zh-CN" sz="5400">
+                <a:solidFill>
+                  <a:srgbClr val="C00000"/>
+                </a:solidFill>
+              </a:rPr>
+              <a:t>基于标签的推荐系统</a:t>
+            </a:r>
+            <a:endParaRPr lang="zh-CN" sz="5400">
+              <a:solidFill>
+                <a:srgbClr val="C00000"/>
+              </a:solidFill>
+            </a:endParaRPr>
+          </a:p>
+        </p:txBody>
+      </p:sp>
+    </p:spTree>
+  </p:cSld>
+  <p:clrMapOvr>
+    <a:masterClrMapping/>
+  </p:clrMapOvr>
+</p:sld>
+</file>
+
+<file path=ppt/slides/slide73.xml><?xml version="1.0" encoding="utf-8"?>
+<p:sld xmlns:a="http://schemas.openxmlformats.org/drawingml/2006/main" xmlns:r="http://schemas.openxmlformats.org/officeDocument/2006/relationships" xmlns:p="http://schemas.openxmlformats.org/presentationml/2006/main">
+  <p:cSld>
+    <p:bg>
+      <p:bgPr>
+        <a:noFill/>
+        <a:effectLst/>
+      </p:bgPr>
+    </p:bg>
+    <p:spTree>
+      <p:nvGrpSpPr>
+        <p:cNvPr id="1" name=""/>
+        <p:cNvGrpSpPr/>
+        <p:nvPr/>
+      </p:nvGrpSpPr>
+      <p:grpSpPr/>
+      <p:sp>
+        <p:nvSpPr>
+          <p:cNvPr id="2" name="标题 1"/>
+          <p:cNvSpPr>
+            <a:spLocks noGrp="1"/>
+          </p:cNvSpPr>
+          <p:nvPr>
+            <p:ph type="ctrTitle"/>
+          </p:nvPr>
+        </p:nvSpPr>
+        <p:spPr>
+          <a:xfrm>
+            <a:off x="2257425" y="1445260"/>
+            <a:ext cx="7677150" cy="3967480"/>
+          </a:xfrm>
+        </p:spPr>
+        <p:txBody>
+          <a:bodyPr>
+            <a:noAutofit/>
+          </a:bodyPr>
+          <a:p>
+            <a:pPr algn="ctr">
+              <a:lnSpc>
+                <a:spcPct val="150000"/>
+              </a:lnSpc>
+            </a:pPr>
+            <a:r>
+              <a:rPr lang="zh-CN" sz="5400">
+                <a:solidFill>
+                  <a:srgbClr val="C00000"/>
+                </a:solidFill>
+              </a:rPr>
+              <a:t>推荐系统 </a:t>
+            </a:r>
+            <a:r>
+              <a:rPr lang="en-US" altLang="zh-CN" sz="5400">
+                <a:solidFill>
+                  <a:srgbClr val="C00000"/>
+                </a:solidFill>
+              </a:rPr>
+              <a:t>- </a:t>
+            </a:r>
+            <a:r>
+              <a:rPr lang="zh-CN" altLang="en-US" sz="5400">
+                <a:solidFill>
+                  <a:srgbClr val="C00000"/>
+                </a:solidFill>
+              </a:rPr>
+              <a:t>实战</a:t>
+            </a:r>
+            <a:br>
+              <a:rPr lang="zh-CN" sz="5400">
+                <a:solidFill>
+                  <a:srgbClr val="C00000"/>
+                </a:solidFill>
+              </a:rPr>
+            </a:br>
+            <a:r>
+              <a:rPr lang="zh-CN" sz="5400">
+                <a:solidFill>
+                  <a:srgbClr val="C00000"/>
+                </a:solidFill>
+              </a:rPr>
+              <a:t>Tensorflow2实现</a:t>
+            </a:r>
+            <a:br>
+              <a:rPr lang="zh-CN" sz="5400">
+                <a:solidFill>
+                  <a:srgbClr val="C00000"/>
+                </a:solidFill>
+              </a:rPr>
+            </a:br>
+            <a:r>
+              <a:rPr lang="zh-CN" sz="5400">
+                <a:solidFill>
+                  <a:srgbClr val="C00000"/>
+                </a:solidFill>
+              </a:rPr>
+              <a:t>矩阵分解的电影推荐</a:t>
+            </a:r>
+            <a:endParaRPr lang="zh-CN" sz="5400">
+              <a:solidFill>
+                <a:srgbClr val="C00000"/>
+              </a:solidFill>
             </a:endParaRPr>
           </a:p>
         </p:txBody>

--- a/推荐系统系列.pptx
+++ b/推荐系统系列.pptx
@@ -8,7 +8,7 @@
     <p:notesMasterId r:id="rId6"/>
   </p:notesMasterIdLst>
   <p:handoutMasterIdLst>
-    <p:handoutMasterId r:id="rId77"/>
+    <p:handoutMasterId r:id="rId79"/>
   </p:handoutMasterIdLst>
   <p:sldIdLst>
     <p:sldId id="256" r:id="rId3"/>
@@ -84,6 +84,8 @@
     <p:sldId id="342" r:id="rId74"/>
     <p:sldId id="343" r:id="rId75"/>
     <p:sldId id="344" r:id="rId76"/>
+    <p:sldId id="345" r:id="rId77"/>
+    <p:sldId id="346" r:id="rId78"/>
   </p:sldIdLst>
   <p:sldSz cx="12192000" cy="6858000"/>
   <p:notesSz cx="6858000" cy="9144000"/>
@@ -357,7 +359,7 @@
           <inkml:channelProperty channel="Y" name="resolution" value="28.3464566929134" units="1/cm"/>
         </inkml:channelProperties>
       </inkml:inkSource>
-      <inkml:timestamp xml:id="ts0" timeString="2020-08-01T12:39:49"/>
+      <inkml:timestamp xml:id="ts0" timeString="2020-08-02T18:22:15"/>
     </inkml:context>
     <inkml:brush xml:id="br0">
       <inkml:brushProperty name="width" value="0.09701" units="cm"/>
@@ -384,7 +386,7 @@
           <inkml:channelProperty channel="Y" name="resolution" value="28.3464566929134" units="1/cm"/>
         </inkml:channelProperties>
       </inkml:inkSource>
-      <inkml:timestamp xml:id="ts0" timeString="2020-08-01T12:39:49"/>
+      <inkml:timestamp xml:id="ts0" timeString="2020-08-02T18:22:15"/>
     </inkml:context>
     <inkml:brush xml:id="br0">
       <inkml:brushProperty name="width" value="0.09701" units="cm"/>
@@ -411,7 +413,7 @@
           <inkml:channelProperty channel="Y" name="resolution" value="28.3464566929134" units="1/cm"/>
         </inkml:channelProperties>
       </inkml:inkSource>
-      <inkml:timestamp xml:id="ts0" timeString="2020-08-01T12:39:49"/>
+      <inkml:timestamp xml:id="ts0" timeString="2020-08-02T18:22:15"/>
     </inkml:context>
     <inkml:brush xml:id="br0">
       <inkml:brushProperty name="width" value="0.09701" units="cm"/>
@@ -438,7 +440,7 @@
           <inkml:channelProperty channel="Y" name="resolution" value="28.3464566929134" units="1/cm"/>
         </inkml:channelProperties>
       </inkml:inkSource>
-      <inkml:timestamp xml:id="ts0" timeString="2020-08-01T12:39:49"/>
+      <inkml:timestamp xml:id="ts0" timeString="2020-08-02T18:22:15"/>
     </inkml:context>
     <inkml:brush xml:id="br0">
       <inkml:brushProperty name="width" value="0.09701" units="cm"/>
@@ -465,7 +467,7 @@
           <inkml:channelProperty channel="Y" name="resolution" value="28.3464566929134" units="1/cm"/>
         </inkml:channelProperties>
       </inkml:inkSource>
-      <inkml:timestamp xml:id="ts0" timeString="2020-08-01T12:39:49"/>
+      <inkml:timestamp xml:id="ts0" timeString="2020-08-02T18:22:15"/>
     </inkml:context>
     <inkml:brush xml:id="br0">
       <inkml:brushProperty name="width" value="0.09701" units="cm"/>
@@ -492,7 +494,7 @@
           <inkml:channelProperty channel="Y" name="resolution" value="28.3464566929134" units="1/cm"/>
         </inkml:channelProperties>
       </inkml:inkSource>
-      <inkml:timestamp xml:id="ts0" timeString="2020-08-01T12:39:49"/>
+      <inkml:timestamp xml:id="ts0" timeString="2020-08-02T18:22:15"/>
     </inkml:context>
     <inkml:brush xml:id="br0">
       <inkml:brushProperty name="width" value="0.09701" units="cm"/>
@@ -519,7 +521,7 @@
           <inkml:channelProperty channel="Y" name="resolution" value="28.3464566929134" units="1/cm"/>
         </inkml:channelProperties>
       </inkml:inkSource>
-      <inkml:timestamp xml:id="ts0" timeString="2020-08-01T12:39:49"/>
+      <inkml:timestamp xml:id="ts0" timeString="2020-08-02T18:22:15"/>
     </inkml:context>
     <inkml:brush xml:id="br0">
       <inkml:brushProperty name="width" value="0.09701" units="cm"/>
@@ -546,7 +548,7 @@
           <inkml:channelProperty channel="Y" name="resolution" value="28.3464566929134" units="1/cm"/>
         </inkml:channelProperties>
       </inkml:inkSource>
-      <inkml:timestamp xml:id="ts0" timeString="2020-08-01T12:39:49"/>
+      <inkml:timestamp xml:id="ts0" timeString="2020-08-02T18:22:15"/>
     </inkml:context>
     <inkml:brush xml:id="br0">
       <inkml:brushProperty name="width" value="0.09701" units="cm"/>
@@ -573,7 +575,7 @@
           <inkml:channelProperty channel="Y" name="resolution" value="28.3464566929134" units="1/cm"/>
         </inkml:channelProperties>
       </inkml:inkSource>
-      <inkml:timestamp xml:id="ts0" timeString="2020-08-01T12:39:49"/>
+      <inkml:timestamp xml:id="ts0" timeString="2020-08-02T18:22:15"/>
     </inkml:context>
     <inkml:brush xml:id="br0">
       <inkml:brushProperty name="width" value="0.09701" units="cm"/>
@@ -600,7 +602,7 @@
           <inkml:channelProperty channel="Y" name="resolution" value="28.3464566929134" units="1/cm"/>
         </inkml:channelProperties>
       </inkml:inkSource>
-      <inkml:timestamp xml:id="ts0" timeString="2020-08-01T12:39:49"/>
+      <inkml:timestamp xml:id="ts0" timeString="2020-08-02T18:22:15"/>
     </inkml:context>
     <inkml:brush xml:id="br0">
       <inkml:brushProperty name="width" value="0.09701" units="cm"/>
@@ -627,7 +629,7 @@
           <inkml:channelProperty channel="Y" name="resolution" value="28.3464566929134" units="1/cm"/>
         </inkml:channelProperties>
       </inkml:inkSource>
-      <inkml:timestamp xml:id="ts0" timeString="2020-08-01T12:39:49"/>
+      <inkml:timestamp xml:id="ts0" timeString="2020-08-02T18:22:15"/>
     </inkml:context>
     <inkml:brush xml:id="br0">
       <inkml:brushProperty name="width" value="0.09701" units="cm"/>
@@ -654,7 +656,7 @@
           <inkml:channelProperty channel="Y" name="resolution" value="28.3464566929134" units="1/cm"/>
         </inkml:channelProperties>
       </inkml:inkSource>
-      <inkml:timestamp xml:id="ts0" timeString="2020-08-01T12:39:49"/>
+      <inkml:timestamp xml:id="ts0" timeString="2020-08-02T18:22:15"/>
     </inkml:context>
     <inkml:brush xml:id="br0">
       <inkml:brushProperty name="width" value="0.09701" units="cm"/>
@@ -681,7 +683,7 @@
           <inkml:channelProperty channel="Y" name="resolution" value="28.3464566929134" units="1/cm"/>
         </inkml:channelProperties>
       </inkml:inkSource>
-      <inkml:timestamp xml:id="ts0" timeString="2020-08-01T12:39:49"/>
+      <inkml:timestamp xml:id="ts0" timeString="2020-08-02T18:22:15"/>
     </inkml:context>
     <inkml:brush xml:id="br0">
       <inkml:brushProperty name="width" value="0.09701" units="cm"/>
@@ -708,7 +710,7 @@
           <inkml:channelProperty channel="Y" name="resolution" value="28.3464566929134" units="1/cm"/>
         </inkml:channelProperties>
       </inkml:inkSource>
-      <inkml:timestamp xml:id="ts0" timeString="2020-08-01T12:39:49"/>
+      <inkml:timestamp xml:id="ts0" timeString="2020-08-02T18:22:15"/>
     </inkml:context>
     <inkml:brush xml:id="br0">
       <inkml:brushProperty name="width" value="0.09701" units="cm"/>
@@ -735,7 +737,7 @@
           <inkml:channelProperty channel="Y" name="resolution" value="28.3464566929134" units="1/cm"/>
         </inkml:channelProperties>
       </inkml:inkSource>
-      <inkml:timestamp xml:id="ts0" timeString="2020-08-01T12:39:49"/>
+      <inkml:timestamp xml:id="ts0" timeString="2020-08-02T18:22:15"/>
     </inkml:context>
     <inkml:brush xml:id="br0">
       <inkml:brushProperty name="width" value="0.09701" units="cm"/>
@@ -762,7 +764,7 @@
           <inkml:channelProperty channel="Y" name="resolution" value="28.3464566929134" units="1/cm"/>
         </inkml:channelProperties>
       </inkml:inkSource>
-      <inkml:timestamp xml:id="ts0" timeString="2020-08-01T12:39:49"/>
+      <inkml:timestamp xml:id="ts0" timeString="2020-08-02T18:22:15"/>
     </inkml:context>
     <inkml:brush xml:id="br0">
       <inkml:brushProperty name="width" value="0.09701" units="cm"/>
@@ -789,7 +791,7 @@
           <inkml:channelProperty channel="Y" name="resolution" value="28.3464566929134" units="1/cm"/>
         </inkml:channelProperties>
       </inkml:inkSource>
-      <inkml:timestamp xml:id="ts0" timeString="2020-08-01T12:39:49"/>
+      <inkml:timestamp xml:id="ts0" timeString="2020-08-02T18:22:15"/>
     </inkml:context>
     <inkml:brush xml:id="br0">
       <inkml:brushProperty name="width" value="0.09701" units="cm"/>
@@ -816,7 +818,7 @@
           <inkml:channelProperty channel="Y" name="resolution" value="28.3464566929134" units="1/cm"/>
         </inkml:channelProperties>
       </inkml:inkSource>
-      <inkml:timestamp xml:id="ts0" timeString="2020-08-01T12:39:49"/>
+      <inkml:timestamp xml:id="ts0" timeString="2020-08-02T18:22:15"/>
     </inkml:context>
     <inkml:brush xml:id="br0">
       <inkml:brushProperty name="width" value="0.09701" units="cm"/>
@@ -843,7 +845,7 @@
           <inkml:channelProperty channel="Y" name="resolution" value="28.3464566929134" units="1/cm"/>
         </inkml:channelProperties>
       </inkml:inkSource>
-      <inkml:timestamp xml:id="ts0" timeString="2020-08-01T12:39:49"/>
+      <inkml:timestamp xml:id="ts0" timeString="2020-08-02T18:22:15"/>
     </inkml:context>
     <inkml:brush xml:id="br0">
       <inkml:brushProperty name="width" value="0.09701" units="cm"/>
@@ -870,7 +872,7 @@
           <inkml:channelProperty channel="Y" name="resolution" value="28.3464566929134" units="1/cm"/>
         </inkml:channelProperties>
       </inkml:inkSource>
-      <inkml:timestamp xml:id="ts0" timeString="2020-08-01T12:39:49"/>
+      <inkml:timestamp xml:id="ts0" timeString="2020-08-02T18:22:15"/>
     </inkml:context>
     <inkml:brush xml:id="br0">
       <inkml:brushProperty name="width" value="0.09701" units="cm"/>
@@ -897,7 +899,7 @@
           <inkml:channelProperty channel="Y" name="resolution" value="28.3464566929134" units="1/cm"/>
         </inkml:channelProperties>
       </inkml:inkSource>
-      <inkml:timestamp xml:id="ts0" timeString="2020-08-01T12:39:49"/>
+      <inkml:timestamp xml:id="ts0" timeString="2020-08-02T18:22:15"/>
     </inkml:context>
     <inkml:brush xml:id="br0">
       <inkml:brushProperty name="width" value="0.09701" units="cm"/>
@@ -924,7 +926,7 @@
           <inkml:channelProperty channel="Y" name="resolution" value="28.3464566929134" units="1/cm"/>
         </inkml:channelProperties>
       </inkml:inkSource>
-      <inkml:timestamp xml:id="ts0" timeString="2020-08-01T12:39:49"/>
+      <inkml:timestamp xml:id="ts0" timeString="2020-08-02T18:22:15"/>
     </inkml:context>
     <inkml:brush xml:id="br0">
       <inkml:brushProperty name="width" value="0.09701" units="cm"/>
@@ -951,7 +953,7 @@
           <inkml:channelProperty channel="Y" name="resolution" value="28.3464566929134" units="1/cm"/>
         </inkml:channelProperties>
       </inkml:inkSource>
-      <inkml:timestamp xml:id="ts0" timeString="2020-08-01T12:39:49"/>
+      <inkml:timestamp xml:id="ts0" timeString="2020-08-02T18:22:15"/>
     </inkml:context>
     <inkml:brush xml:id="br0">
       <inkml:brushProperty name="width" value="0.09701" units="cm"/>
@@ -978,7 +980,7 @@
           <inkml:channelProperty channel="Y" name="resolution" value="28.3464566929134" units="1/cm"/>
         </inkml:channelProperties>
       </inkml:inkSource>
-      <inkml:timestamp xml:id="ts0" timeString="2020-08-01T12:39:49"/>
+      <inkml:timestamp xml:id="ts0" timeString="2020-08-02T18:22:15"/>
     </inkml:context>
     <inkml:brush xml:id="br0">
       <inkml:brushProperty name="width" value="0.09701" units="cm"/>
@@ -1005,7 +1007,7 @@
           <inkml:channelProperty channel="Y" name="resolution" value="28.3464566929134" units="1/cm"/>
         </inkml:channelProperties>
       </inkml:inkSource>
-      <inkml:timestamp xml:id="ts0" timeString="2020-08-01T12:39:49"/>
+      <inkml:timestamp xml:id="ts0" timeString="2020-08-02T18:22:15"/>
     </inkml:context>
     <inkml:brush xml:id="br0">
       <inkml:brushProperty name="width" value="0.09701" units="cm"/>
@@ -1032,7 +1034,7 @@
           <inkml:channelProperty channel="Y" name="resolution" value="28.3464566929134" units="1/cm"/>
         </inkml:channelProperties>
       </inkml:inkSource>
-      <inkml:timestamp xml:id="ts0" timeString="2020-08-01T12:39:49"/>
+      <inkml:timestamp xml:id="ts0" timeString="2020-08-02T18:22:15"/>
     </inkml:context>
     <inkml:brush xml:id="br0">
       <inkml:brushProperty name="width" value="0.09701" units="cm"/>
@@ -1059,7 +1061,7 @@
           <inkml:channelProperty channel="Y" name="resolution" value="28.3464566929134" units="1/cm"/>
         </inkml:channelProperties>
       </inkml:inkSource>
-      <inkml:timestamp xml:id="ts0" timeString="2020-08-01T12:39:49"/>
+      <inkml:timestamp xml:id="ts0" timeString="2020-08-02T18:22:15"/>
     </inkml:context>
     <inkml:brush xml:id="br0">
       <inkml:brushProperty name="width" value="0.09701" units="cm"/>
@@ -1086,7 +1088,7 @@
           <inkml:channelProperty channel="Y" name="resolution" value="28.3464566929134" units="1/cm"/>
         </inkml:channelProperties>
       </inkml:inkSource>
-      <inkml:timestamp xml:id="ts0" timeString="2020-08-01T12:39:49"/>
+      <inkml:timestamp xml:id="ts0" timeString="2020-08-02T18:22:15"/>
     </inkml:context>
     <inkml:brush xml:id="br0">
       <inkml:brushProperty name="width" value="0.09701" units="cm"/>
@@ -1113,7 +1115,7 @@
           <inkml:channelProperty channel="Y" name="resolution" value="28.3464566929134" units="1/cm"/>
         </inkml:channelProperties>
       </inkml:inkSource>
-      <inkml:timestamp xml:id="ts0" timeString="2020-08-01T12:39:49"/>
+      <inkml:timestamp xml:id="ts0" timeString="2020-08-02T18:22:15"/>
     </inkml:context>
     <inkml:brush xml:id="br0">
       <inkml:brushProperty name="width" value="0.09701" units="cm"/>
@@ -1140,7 +1142,7 @@
           <inkml:channelProperty channel="Y" name="resolution" value="28.3464566929134" units="1/cm"/>
         </inkml:channelProperties>
       </inkml:inkSource>
-      <inkml:timestamp xml:id="ts0" timeString="2020-08-01T12:39:49"/>
+      <inkml:timestamp xml:id="ts0" timeString="2020-08-02T18:22:15"/>
     </inkml:context>
     <inkml:brush xml:id="br0">
       <inkml:brushProperty name="width" value="0.09701" units="cm"/>
@@ -1167,7 +1169,7 @@
           <inkml:channelProperty channel="Y" name="resolution" value="28.3464566929134" units="1/cm"/>
         </inkml:channelProperties>
       </inkml:inkSource>
-      <inkml:timestamp xml:id="ts0" timeString="2020-08-01T12:39:49"/>
+      <inkml:timestamp xml:id="ts0" timeString="2020-08-02T18:22:15"/>
     </inkml:context>
     <inkml:brush xml:id="br0">
       <inkml:brushProperty name="width" value="0.09701" units="cm"/>
@@ -1194,7 +1196,7 @@
           <inkml:channelProperty channel="Y" name="resolution" value="28.3464566929134" units="1/cm"/>
         </inkml:channelProperties>
       </inkml:inkSource>
-      <inkml:timestamp xml:id="ts0" timeString="2020-08-01T12:39:49"/>
+      <inkml:timestamp xml:id="ts0" timeString="2020-08-02T18:22:15"/>
     </inkml:context>
     <inkml:brush xml:id="br0">
       <inkml:brushProperty name="width" value="0.09701" units="cm"/>
@@ -1221,7 +1223,7 @@
           <inkml:channelProperty channel="Y" name="resolution" value="28.3464566929134" units="1/cm"/>
         </inkml:channelProperties>
       </inkml:inkSource>
-      <inkml:timestamp xml:id="ts0" timeString="2020-08-01T12:39:49"/>
+      <inkml:timestamp xml:id="ts0" timeString="2020-08-02T18:22:15"/>
     </inkml:context>
     <inkml:brush xml:id="br0">
       <inkml:brushProperty name="width" value="0.09701" units="cm"/>
@@ -1248,7 +1250,7 @@
           <inkml:channelProperty channel="Y" name="resolution" value="28.3464566929134" units="1/cm"/>
         </inkml:channelProperties>
       </inkml:inkSource>
-      <inkml:timestamp xml:id="ts0" timeString="2020-08-01T12:39:49"/>
+      <inkml:timestamp xml:id="ts0" timeString="2020-08-02T18:22:15"/>
     </inkml:context>
     <inkml:brush xml:id="br0">
       <inkml:brushProperty name="width" value="0.09701" units="cm"/>
@@ -1275,7 +1277,7 @@
           <inkml:channelProperty channel="Y" name="resolution" value="28.3464566929134" units="1/cm"/>
         </inkml:channelProperties>
       </inkml:inkSource>
-      <inkml:timestamp xml:id="ts0" timeString="2020-08-01T12:39:49"/>
+      <inkml:timestamp xml:id="ts0" timeString="2020-08-02T18:22:15"/>
     </inkml:context>
     <inkml:brush xml:id="br0">
       <inkml:brushProperty name="width" value="0.09701" units="cm"/>
@@ -4320,6 +4322,50 @@
 </file>
 
 <file path=ppt/notesSlides/notesSlide65.xml><?xml version="1.0" encoding="utf-8"?>
+<p:notes xmlns:a="http://schemas.openxmlformats.org/drawingml/2006/main" xmlns:r="http://schemas.openxmlformats.org/officeDocument/2006/relationships" xmlns:p="http://schemas.openxmlformats.org/presentationml/2006/main">
+  <p:cSld>
+    <p:spTree>
+      <p:nvGrpSpPr>
+        <p:cNvPr id="1" name=""/>
+        <p:cNvGrpSpPr/>
+        <p:nvPr/>
+      </p:nvGrpSpPr>
+      <p:grpSpPr/>
+      <p:sp>
+        <p:nvSpPr>
+          <p:cNvPr id="2" name="幻灯片图像占位符 1"/>
+          <p:cNvSpPr/>
+          <p:nvPr>
+            <p:ph type="sldImg" idx="2"/>
+          </p:nvPr>
+        </p:nvSpPr>
+        <p:spPr/>
+      </p:sp>
+      <p:sp>
+        <p:nvSpPr>
+          <p:cNvPr id="3" name="文本占位符 2"/>
+          <p:cNvSpPr/>
+          <p:nvPr>
+            <p:ph type="body" idx="3"/>
+          </p:nvPr>
+        </p:nvSpPr>
+        <p:spPr/>
+        <p:txBody>
+          <a:bodyPr/>
+          <a:p>
+            <a:endParaRPr lang="zh-CN" altLang="en-US"/>
+          </a:p>
+        </p:txBody>
+      </p:sp>
+    </p:spTree>
+  </p:cSld>
+  <p:clrMapOvr>
+    <a:masterClrMapping/>
+  </p:clrMapOvr>
+</p:notes>
+</file>
+
+<file path=ppt/notesSlides/notesSlide66.xml><?xml version="1.0" encoding="utf-8"?>
 <p:notes xmlns:a="http://schemas.openxmlformats.org/drawingml/2006/main" xmlns:r="http://schemas.openxmlformats.org/officeDocument/2006/relationships" xmlns:p="http://schemas.openxmlformats.org/presentationml/2006/main">
   <p:cSld>
     <p:spTree>
@@ -48965,9 +49011,364 @@
                   <a:srgbClr val="C00000"/>
                 </a:solidFill>
               </a:rPr>
-              <a:t>矩阵分解的电影推荐</a:t>
-            </a:r>
-            <a:endParaRPr lang="zh-CN" sz="5400">
+              <a:t>双塔</a:t>
+            </a:r>
+            <a:r>
+              <a:rPr lang="en-US" altLang="zh-CN" sz="5400">
+                <a:solidFill>
+                  <a:srgbClr val="C00000"/>
+                </a:solidFill>
+              </a:rPr>
+              <a:t>DNN</a:t>
+            </a:r>
+            <a:r>
+              <a:rPr lang="zh-CN" altLang="en-US" sz="5400">
+                <a:solidFill>
+                  <a:srgbClr val="C00000"/>
+                </a:solidFill>
+              </a:rPr>
+              <a:t>排序模型</a:t>
+            </a:r>
+            <a:endParaRPr lang="zh-CN" altLang="en-US" sz="5400">
+              <a:solidFill>
+                <a:srgbClr val="C00000"/>
+              </a:solidFill>
+            </a:endParaRPr>
+          </a:p>
+        </p:txBody>
+      </p:sp>
+    </p:spTree>
+  </p:cSld>
+  <p:clrMapOvr>
+    <a:masterClrMapping/>
+  </p:clrMapOvr>
+</p:sld>
+</file>
+
+<file path=ppt/slides/slide74.xml><?xml version="1.0" encoding="utf-8"?>
+<p:sld xmlns:a="http://schemas.openxmlformats.org/drawingml/2006/main" xmlns:r="http://schemas.openxmlformats.org/officeDocument/2006/relationships" xmlns:p="http://schemas.openxmlformats.org/presentationml/2006/main">
+  <p:cSld>
+    <p:spTree>
+      <p:nvGrpSpPr>
+        <p:cNvPr id="1" name=""/>
+        <p:cNvGrpSpPr/>
+        <p:nvPr/>
+      </p:nvGrpSpPr>
+      <p:grpSpPr/>
+      <p:pic>
+        <p:nvPicPr>
+          <p:cNvPr id="4" name="内容占位符 3"/>
+          <p:cNvPicPr>
+            <a:picLocks noChangeAspect="1"/>
+          </p:cNvPicPr>
+          <p:nvPr>
+            <p:ph idx="1"/>
+            <p:custDataLst>
+              <p:tags r:id="rId1"/>
+            </p:custDataLst>
+          </p:nvPr>
+        </p:nvPicPr>
+        <p:blipFill>
+          <a:blip r:embed="rId2"/>
+          <a:stretch>
+            <a:fillRect/>
+          </a:stretch>
+        </p:blipFill>
+        <p:spPr>
+          <a:xfrm>
+            <a:off x="1263015" y="92710"/>
+            <a:ext cx="7854950" cy="6340475"/>
+          </a:xfrm>
+          <a:prstGeom prst="rect">
+            <a:avLst/>
+          </a:prstGeom>
+        </p:spPr>
+      </p:pic>
+      <p:sp>
+        <p:nvSpPr>
+          <p:cNvPr id="5" name="文本框 4"/>
+          <p:cNvSpPr txBox="1"/>
+          <p:nvPr/>
+        </p:nvSpPr>
+        <p:spPr>
+          <a:xfrm>
+            <a:off x="8495665" y="1393190"/>
+            <a:ext cx="2438400" cy="645160"/>
+          </a:xfrm>
+          <a:prstGeom prst="rect">
+            <a:avLst/>
+          </a:prstGeom>
+          <a:noFill/>
+        </p:spPr>
+        <p:txBody>
+          <a:bodyPr wrap="none" rtlCol="0">
+            <a:spAutoFit/>
+          </a:bodyPr>
+          <a:p>
+            <a:r>
+              <a:rPr lang="zh-CN" altLang="en-US"/>
+              <a:t>产出的</a:t>
+            </a:r>
+            <a:r>
+              <a:rPr lang="en-US" altLang="zh-CN"/>
+              <a:t>Embedding</a:t>
+            </a:r>
+            <a:endParaRPr lang="en-US" altLang="zh-CN"/>
+          </a:p>
+          <a:p>
+            <a:r>
+              <a:rPr lang="zh-CN" altLang="en-US"/>
+              <a:t>可以用于</a:t>
+            </a:r>
+            <a:r>
+              <a:rPr lang="en-US" altLang="zh-CN"/>
+              <a:t>ANN</a:t>
+            </a:r>
+            <a:r>
+              <a:rPr lang="zh-CN" altLang="en-US"/>
+              <a:t>近邻搜索</a:t>
+            </a:r>
+            <a:endParaRPr lang="zh-CN" altLang="en-US"/>
+          </a:p>
+        </p:txBody>
+      </p:sp>
+      <p:cxnSp>
+        <p:nvCxnSpPr>
+          <p:cNvPr id="6" name="直接箭头连接符 5"/>
+          <p:cNvCxnSpPr/>
+          <p:nvPr/>
+        </p:nvCxnSpPr>
+        <p:spPr>
+          <a:xfrm flipH="1">
+            <a:off x="4961255" y="1934210"/>
+            <a:ext cx="3365500" cy="1089025"/>
+          </a:xfrm>
+          <a:prstGeom prst="straightConnector1">
+            <a:avLst/>
+          </a:prstGeom>
+          <a:ln>
+            <a:tailEnd type="arrow" w="med" len="med"/>
+          </a:ln>
+        </p:spPr>
+        <p:style>
+          <a:lnRef idx="3">
+            <a:schemeClr val="accent1"/>
+          </a:lnRef>
+          <a:fillRef idx="0">
+            <a:schemeClr val="accent1"/>
+          </a:fillRef>
+          <a:effectRef idx="2">
+            <a:schemeClr val="accent1"/>
+          </a:effectRef>
+          <a:fontRef idx="minor">
+            <a:schemeClr val="tx1"/>
+          </a:fontRef>
+        </p:style>
+      </p:cxnSp>
+      <p:cxnSp>
+        <p:nvCxnSpPr>
+          <p:cNvPr id="7" name="直接箭头连接符 6"/>
+          <p:cNvCxnSpPr/>
+          <p:nvPr/>
+        </p:nvCxnSpPr>
+        <p:spPr>
+          <a:xfrm flipH="1">
+            <a:off x="8433435" y="2155190"/>
+            <a:ext cx="1056005" cy="687705"/>
+          </a:xfrm>
+          <a:prstGeom prst="straightConnector1">
+            <a:avLst/>
+          </a:prstGeom>
+          <a:ln>
+            <a:tailEnd type="arrow" w="med" len="med"/>
+          </a:ln>
+        </p:spPr>
+        <p:style>
+          <a:lnRef idx="3">
+            <a:schemeClr val="accent1"/>
+          </a:lnRef>
+          <a:fillRef idx="0">
+            <a:schemeClr val="accent1"/>
+          </a:fillRef>
+          <a:effectRef idx="2">
+            <a:schemeClr val="accent1"/>
+          </a:effectRef>
+          <a:fontRef idx="minor">
+            <a:schemeClr val="tx1"/>
+          </a:fontRef>
+        </p:style>
+      </p:cxnSp>
+      <p:sp>
+        <p:nvSpPr>
+          <p:cNvPr id="8" name="文本框 7"/>
+          <p:cNvSpPr txBox="1"/>
+          <p:nvPr/>
+        </p:nvSpPr>
+        <p:spPr>
+          <a:xfrm>
+            <a:off x="3161030" y="6433185"/>
+            <a:ext cx="841375" cy="368300"/>
+          </a:xfrm>
+          <a:prstGeom prst="rect">
+            <a:avLst/>
+          </a:prstGeom>
+          <a:noFill/>
+        </p:spPr>
+        <p:txBody>
+          <a:bodyPr wrap="none" rtlCol="0">
+            <a:spAutoFit/>
+          </a:bodyPr>
+          <a:p>
+            <a:r>
+              <a:rPr lang="en-US"/>
+              <a:t>User</a:t>
+            </a:r>
+            <a:r>
+              <a:rPr lang="zh-CN" altLang="en-US"/>
+              <a:t>塔</a:t>
+            </a:r>
+            <a:endParaRPr lang="zh-CN" altLang="en-US"/>
+          </a:p>
+        </p:txBody>
+      </p:sp>
+      <p:sp>
+        <p:nvSpPr>
+          <p:cNvPr id="9" name="文本框 8"/>
+          <p:cNvSpPr txBox="1"/>
+          <p:nvPr/>
+        </p:nvSpPr>
+        <p:spPr>
+          <a:xfrm>
+            <a:off x="7242810" y="6433185"/>
+            <a:ext cx="840105" cy="368300"/>
+          </a:xfrm>
+          <a:prstGeom prst="rect">
+            <a:avLst/>
+          </a:prstGeom>
+          <a:noFill/>
+        </p:spPr>
+        <p:txBody>
+          <a:bodyPr wrap="none" rtlCol="0">
+            <a:spAutoFit/>
+          </a:bodyPr>
+          <a:p>
+            <a:r>
+              <a:rPr lang="en-US"/>
+              <a:t>Item</a:t>
+            </a:r>
+            <a:r>
+              <a:rPr lang="zh-CN" altLang="en-US"/>
+              <a:t>塔</a:t>
+            </a:r>
+            <a:endParaRPr lang="zh-CN" altLang="en-US"/>
+          </a:p>
+        </p:txBody>
+      </p:sp>
+    </p:spTree>
+  </p:cSld>
+  <p:clrMapOvr>
+    <a:masterClrMapping/>
+  </p:clrMapOvr>
+</p:sld>
+</file>
+
+<file path=ppt/slides/slide75.xml><?xml version="1.0" encoding="utf-8"?>
+<p:sld xmlns:a="http://schemas.openxmlformats.org/drawingml/2006/main" xmlns:r="http://schemas.openxmlformats.org/officeDocument/2006/relationships" xmlns:p="http://schemas.openxmlformats.org/presentationml/2006/main">
+  <p:cSld>
+    <p:bg>
+      <p:bgPr>
+        <a:noFill/>
+        <a:effectLst/>
+      </p:bgPr>
+    </p:bg>
+    <p:spTree>
+      <p:nvGrpSpPr>
+        <p:cNvPr id="1" name=""/>
+        <p:cNvGrpSpPr/>
+        <p:nvPr/>
+      </p:nvGrpSpPr>
+      <p:grpSpPr/>
+      <p:sp>
+        <p:nvSpPr>
+          <p:cNvPr id="2" name="标题 1"/>
+          <p:cNvSpPr>
+            <a:spLocks noGrp="1"/>
+          </p:cNvSpPr>
+          <p:nvPr>
+            <p:ph type="ctrTitle"/>
+          </p:nvPr>
+        </p:nvSpPr>
+        <p:spPr>
+          <a:xfrm>
+            <a:off x="2257425" y="1445260"/>
+            <a:ext cx="7677150" cy="3967480"/>
+          </a:xfrm>
+        </p:spPr>
+        <p:txBody>
+          <a:bodyPr>
+            <a:noAutofit/>
+          </a:bodyPr>
+          <a:p>
+            <a:pPr algn="ctr">
+              <a:lnSpc>
+                <a:spcPct val="150000"/>
+              </a:lnSpc>
+            </a:pPr>
+            <a:r>
+              <a:rPr lang="zh-CN" sz="5400">
+                <a:solidFill>
+                  <a:srgbClr val="C00000"/>
+                </a:solidFill>
+              </a:rPr>
+              <a:t>推荐系统 </a:t>
+            </a:r>
+            <a:r>
+              <a:rPr lang="en-US" altLang="zh-CN" sz="5400">
+                <a:solidFill>
+                  <a:srgbClr val="C00000"/>
+                </a:solidFill>
+              </a:rPr>
+              <a:t>- </a:t>
+            </a:r>
+            <a:r>
+              <a:rPr lang="zh-CN" altLang="en-US" sz="5400">
+                <a:solidFill>
+                  <a:srgbClr val="C00000"/>
+                </a:solidFill>
+              </a:rPr>
+              <a:t>实战</a:t>
+            </a:r>
+            <a:br>
+              <a:rPr lang="zh-CN" sz="5400">
+                <a:solidFill>
+                  <a:srgbClr val="C00000"/>
+                </a:solidFill>
+              </a:rPr>
+            </a:br>
+            <a:r>
+              <a:rPr sz="5400">
+                <a:solidFill>
+                  <a:srgbClr val="C00000"/>
+                </a:solidFill>
+              </a:rPr>
+              <a:t>Python使用Faiss</a:t>
+            </a:r>
+            <a:br>
+              <a:rPr sz="5400">
+                <a:solidFill>
+                  <a:srgbClr val="C00000"/>
+                </a:solidFill>
+              </a:rPr>
+            </a:br>
+            <a:r>
+              <a:rPr sz="5400">
+                <a:solidFill>
+                  <a:srgbClr val="C00000"/>
+                </a:solidFill>
+              </a:rPr>
+              <a:t>实现向量近邻搜索</a:t>
+            </a:r>
+            <a:endParaRPr sz="5400">
               <a:solidFill>
                 <a:srgbClr val="C00000"/>
               </a:solidFill>
@@ -50728,6 +51129,12 @@
 <file path=ppt/tags/tag15.xml><?xml version="1.0" encoding="utf-8"?>
 <p:tagLst xmlns:p="http://schemas.openxmlformats.org/presentationml/2006/main">
   <p:tag name="KSO_WM_UNIT_PLACING_PICTURE_USER_VIEWPORT" val="{&quot;height&quot;:2610,&quot;width&quot;:11565}"/>
+</p:tagLst>
+</file>
+
+<file path=ppt/tags/tag16.xml><?xml version="1.0" encoding="utf-8"?>
+<p:tagLst xmlns:p="http://schemas.openxmlformats.org/presentationml/2006/main">
+  <p:tag name="KSO_WM_UNIT_PLACING_PICTURE_USER_VIEWPORT" val="{&quot;height&quot;:6853,&quot;width&quot;:8490}"/>
 </p:tagLst>
 </file>
 

--- a/推荐系统系列.pptx
+++ b/推荐系统系列.pptx
@@ -8,7 +8,7 @@
     <p:notesMasterId r:id="rId6"/>
   </p:notesMasterIdLst>
   <p:handoutMasterIdLst>
-    <p:handoutMasterId r:id="rId79"/>
+    <p:handoutMasterId r:id="rId80"/>
   </p:handoutMasterIdLst>
   <p:sldIdLst>
     <p:sldId id="256" r:id="rId3"/>
@@ -86,6 +86,7 @@
     <p:sldId id="344" r:id="rId76"/>
     <p:sldId id="345" r:id="rId77"/>
     <p:sldId id="346" r:id="rId78"/>
+    <p:sldId id="347" r:id="rId79"/>
   </p:sldIdLst>
   <p:sldSz cx="12192000" cy="6858000"/>
   <p:notesSz cx="6858000" cy="9144000"/>
@@ -359,7 +360,7 @@
           <inkml:channelProperty channel="Y" name="resolution" value="28.3464566929134" units="1/cm"/>
         </inkml:channelProperties>
       </inkml:inkSource>
-      <inkml:timestamp xml:id="ts0" timeString="2020-08-02T18:22:15"/>
+      <inkml:timestamp xml:id="ts0" timeString="2020-08-03T23:35:44"/>
     </inkml:context>
     <inkml:brush xml:id="br0">
       <inkml:brushProperty name="width" value="0.09701" units="cm"/>
@@ -386,7 +387,7 @@
           <inkml:channelProperty channel="Y" name="resolution" value="28.3464566929134" units="1/cm"/>
         </inkml:channelProperties>
       </inkml:inkSource>
-      <inkml:timestamp xml:id="ts0" timeString="2020-08-02T18:22:15"/>
+      <inkml:timestamp xml:id="ts0" timeString="2020-08-03T23:35:44"/>
     </inkml:context>
     <inkml:brush xml:id="br0">
       <inkml:brushProperty name="width" value="0.09701" units="cm"/>
@@ -413,7 +414,7 @@
           <inkml:channelProperty channel="Y" name="resolution" value="28.3464566929134" units="1/cm"/>
         </inkml:channelProperties>
       </inkml:inkSource>
-      <inkml:timestamp xml:id="ts0" timeString="2020-08-02T18:22:15"/>
+      <inkml:timestamp xml:id="ts0" timeString="2020-08-03T23:35:44"/>
     </inkml:context>
     <inkml:brush xml:id="br0">
       <inkml:brushProperty name="width" value="0.09701" units="cm"/>
@@ -440,7 +441,7 @@
           <inkml:channelProperty channel="Y" name="resolution" value="28.3464566929134" units="1/cm"/>
         </inkml:channelProperties>
       </inkml:inkSource>
-      <inkml:timestamp xml:id="ts0" timeString="2020-08-02T18:22:15"/>
+      <inkml:timestamp xml:id="ts0" timeString="2020-08-03T23:35:44"/>
     </inkml:context>
     <inkml:brush xml:id="br0">
       <inkml:brushProperty name="width" value="0.09701" units="cm"/>
@@ -467,7 +468,7 @@
           <inkml:channelProperty channel="Y" name="resolution" value="28.3464566929134" units="1/cm"/>
         </inkml:channelProperties>
       </inkml:inkSource>
-      <inkml:timestamp xml:id="ts0" timeString="2020-08-02T18:22:15"/>
+      <inkml:timestamp xml:id="ts0" timeString="2020-08-03T23:35:44"/>
     </inkml:context>
     <inkml:brush xml:id="br0">
       <inkml:brushProperty name="width" value="0.09701" units="cm"/>
@@ -494,7 +495,7 @@
           <inkml:channelProperty channel="Y" name="resolution" value="28.3464566929134" units="1/cm"/>
         </inkml:channelProperties>
       </inkml:inkSource>
-      <inkml:timestamp xml:id="ts0" timeString="2020-08-02T18:22:15"/>
+      <inkml:timestamp xml:id="ts0" timeString="2020-08-03T23:35:44"/>
     </inkml:context>
     <inkml:brush xml:id="br0">
       <inkml:brushProperty name="width" value="0.09701" units="cm"/>
@@ -521,7 +522,7 @@
           <inkml:channelProperty channel="Y" name="resolution" value="28.3464566929134" units="1/cm"/>
         </inkml:channelProperties>
       </inkml:inkSource>
-      <inkml:timestamp xml:id="ts0" timeString="2020-08-02T18:22:15"/>
+      <inkml:timestamp xml:id="ts0" timeString="2020-08-03T23:35:44"/>
     </inkml:context>
     <inkml:brush xml:id="br0">
       <inkml:brushProperty name="width" value="0.09701" units="cm"/>
@@ -548,7 +549,7 @@
           <inkml:channelProperty channel="Y" name="resolution" value="28.3464566929134" units="1/cm"/>
         </inkml:channelProperties>
       </inkml:inkSource>
-      <inkml:timestamp xml:id="ts0" timeString="2020-08-02T18:22:15"/>
+      <inkml:timestamp xml:id="ts0" timeString="2020-08-03T23:35:44"/>
     </inkml:context>
     <inkml:brush xml:id="br0">
       <inkml:brushProperty name="width" value="0.09701" units="cm"/>
@@ -575,7 +576,7 @@
           <inkml:channelProperty channel="Y" name="resolution" value="28.3464566929134" units="1/cm"/>
         </inkml:channelProperties>
       </inkml:inkSource>
-      <inkml:timestamp xml:id="ts0" timeString="2020-08-02T18:22:15"/>
+      <inkml:timestamp xml:id="ts0" timeString="2020-08-03T23:35:44"/>
     </inkml:context>
     <inkml:brush xml:id="br0">
       <inkml:brushProperty name="width" value="0.09701" units="cm"/>
@@ -602,7 +603,7 @@
           <inkml:channelProperty channel="Y" name="resolution" value="28.3464566929134" units="1/cm"/>
         </inkml:channelProperties>
       </inkml:inkSource>
-      <inkml:timestamp xml:id="ts0" timeString="2020-08-02T18:22:15"/>
+      <inkml:timestamp xml:id="ts0" timeString="2020-08-03T23:35:44"/>
     </inkml:context>
     <inkml:brush xml:id="br0">
       <inkml:brushProperty name="width" value="0.09701" units="cm"/>
@@ -629,7 +630,7 @@
           <inkml:channelProperty channel="Y" name="resolution" value="28.3464566929134" units="1/cm"/>
         </inkml:channelProperties>
       </inkml:inkSource>
-      <inkml:timestamp xml:id="ts0" timeString="2020-08-02T18:22:15"/>
+      <inkml:timestamp xml:id="ts0" timeString="2020-08-03T23:35:44"/>
     </inkml:context>
     <inkml:brush xml:id="br0">
       <inkml:brushProperty name="width" value="0.09701" units="cm"/>
@@ -656,7 +657,7 @@
           <inkml:channelProperty channel="Y" name="resolution" value="28.3464566929134" units="1/cm"/>
         </inkml:channelProperties>
       </inkml:inkSource>
-      <inkml:timestamp xml:id="ts0" timeString="2020-08-02T18:22:15"/>
+      <inkml:timestamp xml:id="ts0" timeString="2020-08-03T23:35:44"/>
     </inkml:context>
     <inkml:brush xml:id="br0">
       <inkml:brushProperty name="width" value="0.09701" units="cm"/>
@@ -683,7 +684,7 @@
           <inkml:channelProperty channel="Y" name="resolution" value="28.3464566929134" units="1/cm"/>
         </inkml:channelProperties>
       </inkml:inkSource>
-      <inkml:timestamp xml:id="ts0" timeString="2020-08-02T18:22:15"/>
+      <inkml:timestamp xml:id="ts0" timeString="2020-08-03T23:35:44"/>
     </inkml:context>
     <inkml:brush xml:id="br0">
       <inkml:brushProperty name="width" value="0.09701" units="cm"/>
@@ -710,7 +711,7 @@
           <inkml:channelProperty channel="Y" name="resolution" value="28.3464566929134" units="1/cm"/>
         </inkml:channelProperties>
       </inkml:inkSource>
-      <inkml:timestamp xml:id="ts0" timeString="2020-08-02T18:22:15"/>
+      <inkml:timestamp xml:id="ts0" timeString="2020-08-03T23:35:44"/>
     </inkml:context>
     <inkml:brush xml:id="br0">
       <inkml:brushProperty name="width" value="0.09701" units="cm"/>
@@ -737,7 +738,7 @@
           <inkml:channelProperty channel="Y" name="resolution" value="28.3464566929134" units="1/cm"/>
         </inkml:channelProperties>
       </inkml:inkSource>
-      <inkml:timestamp xml:id="ts0" timeString="2020-08-02T18:22:15"/>
+      <inkml:timestamp xml:id="ts0" timeString="2020-08-03T23:35:44"/>
     </inkml:context>
     <inkml:brush xml:id="br0">
       <inkml:brushProperty name="width" value="0.09701" units="cm"/>
@@ -764,7 +765,7 @@
           <inkml:channelProperty channel="Y" name="resolution" value="28.3464566929134" units="1/cm"/>
         </inkml:channelProperties>
       </inkml:inkSource>
-      <inkml:timestamp xml:id="ts0" timeString="2020-08-02T18:22:15"/>
+      <inkml:timestamp xml:id="ts0" timeString="2020-08-03T23:35:44"/>
     </inkml:context>
     <inkml:brush xml:id="br0">
       <inkml:brushProperty name="width" value="0.09701" units="cm"/>
@@ -791,7 +792,7 @@
           <inkml:channelProperty channel="Y" name="resolution" value="28.3464566929134" units="1/cm"/>
         </inkml:channelProperties>
       </inkml:inkSource>
-      <inkml:timestamp xml:id="ts0" timeString="2020-08-02T18:22:15"/>
+      <inkml:timestamp xml:id="ts0" timeString="2020-08-03T23:35:44"/>
     </inkml:context>
     <inkml:brush xml:id="br0">
       <inkml:brushProperty name="width" value="0.09701" units="cm"/>
@@ -818,7 +819,7 @@
           <inkml:channelProperty channel="Y" name="resolution" value="28.3464566929134" units="1/cm"/>
         </inkml:channelProperties>
       </inkml:inkSource>
-      <inkml:timestamp xml:id="ts0" timeString="2020-08-02T18:22:15"/>
+      <inkml:timestamp xml:id="ts0" timeString="2020-08-03T23:35:44"/>
     </inkml:context>
     <inkml:brush xml:id="br0">
       <inkml:brushProperty name="width" value="0.09701" units="cm"/>
@@ -845,7 +846,7 @@
           <inkml:channelProperty channel="Y" name="resolution" value="28.3464566929134" units="1/cm"/>
         </inkml:channelProperties>
       </inkml:inkSource>
-      <inkml:timestamp xml:id="ts0" timeString="2020-08-02T18:22:15"/>
+      <inkml:timestamp xml:id="ts0" timeString="2020-08-03T23:35:44"/>
     </inkml:context>
     <inkml:brush xml:id="br0">
       <inkml:brushProperty name="width" value="0.09701" units="cm"/>
@@ -872,7 +873,7 @@
           <inkml:channelProperty channel="Y" name="resolution" value="28.3464566929134" units="1/cm"/>
         </inkml:channelProperties>
       </inkml:inkSource>
-      <inkml:timestamp xml:id="ts0" timeString="2020-08-02T18:22:15"/>
+      <inkml:timestamp xml:id="ts0" timeString="2020-08-03T23:35:44"/>
     </inkml:context>
     <inkml:brush xml:id="br0">
       <inkml:brushProperty name="width" value="0.09701" units="cm"/>
@@ -899,7 +900,7 @@
           <inkml:channelProperty channel="Y" name="resolution" value="28.3464566929134" units="1/cm"/>
         </inkml:channelProperties>
       </inkml:inkSource>
-      <inkml:timestamp xml:id="ts0" timeString="2020-08-02T18:22:15"/>
+      <inkml:timestamp xml:id="ts0" timeString="2020-08-03T23:35:44"/>
     </inkml:context>
     <inkml:brush xml:id="br0">
       <inkml:brushProperty name="width" value="0.09701" units="cm"/>
@@ -926,7 +927,7 @@
           <inkml:channelProperty channel="Y" name="resolution" value="28.3464566929134" units="1/cm"/>
         </inkml:channelProperties>
       </inkml:inkSource>
-      <inkml:timestamp xml:id="ts0" timeString="2020-08-02T18:22:15"/>
+      <inkml:timestamp xml:id="ts0" timeString="2020-08-03T23:35:44"/>
     </inkml:context>
     <inkml:brush xml:id="br0">
       <inkml:brushProperty name="width" value="0.09701" units="cm"/>
@@ -953,7 +954,7 @@
           <inkml:channelProperty channel="Y" name="resolution" value="28.3464566929134" units="1/cm"/>
         </inkml:channelProperties>
       </inkml:inkSource>
-      <inkml:timestamp xml:id="ts0" timeString="2020-08-02T18:22:15"/>
+      <inkml:timestamp xml:id="ts0" timeString="2020-08-03T23:35:44"/>
     </inkml:context>
     <inkml:brush xml:id="br0">
       <inkml:brushProperty name="width" value="0.09701" units="cm"/>
@@ -980,7 +981,7 @@
           <inkml:channelProperty channel="Y" name="resolution" value="28.3464566929134" units="1/cm"/>
         </inkml:channelProperties>
       </inkml:inkSource>
-      <inkml:timestamp xml:id="ts0" timeString="2020-08-02T18:22:15"/>
+      <inkml:timestamp xml:id="ts0" timeString="2020-08-03T23:35:44"/>
     </inkml:context>
     <inkml:brush xml:id="br0">
       <inkml:brushProperty name="width" value="0.09701" units="cm"/>
@@ -1007,7 +1008,7 @@
           <inkml:channelProperty channel="Y" name="resolution" value="28.3464566929134" units="1/cm"/>
         </inkml:channelProperties>
       </inkml:inkSource>
-      <inkml:timestamp xml:id="ts0" timeString="2020-08-02T18:22:15"/>
+      <inkml:timestamp xml:id="ts0" timeString="2020-08-03T23:35:44"/>
     </inkml:context>
     <inkml:brush xml:id="br0">
       <inkml:brushProperty name="width" value="0.09701" units="cm"/>
@@ -1034,7 +1035,7 @@
           <inkml:channelProperty channel="Y" name="resolution" value="28.3464566929134" units="1/cm"/>
         </inkml:channelProperties>
       </inkml:inkSource>
-      <inkml:timestamp xml:id="ts0" timeString="2020-08-02T18:22:15"/>
+      <inkml:timestamp xml:id="ts0" timeString="2020-08-03T23:35:44"/>
     </inkml:context>
     <inkml:brush xml:id="br0">
       <inkml:brushProperty name="width" value="0.09701" units="cm"/>
@@ -1061,7 +1062,7 @@
           <inkml:channelProperty channel="Y" name="resolution" value="28.3464566929134" units="1/cm"/>
         </inkml:channelProperties>
       </inkml:inkSource>
-      <inkml:timestamp xml:id="ts0" timeString="2020-08-02T18:22:15"/>
+      <inkml:timestamp xml:id="ts0" timeString="2020-08-03T23:35:44"/>
     </inkml:context>
     <inkml:brush xml:id="br0">
       <inkml:brushProperty name="width" value="0.09701" units="cm"/>
@@ -1088,7 +1089,7 @@
           <inkml:channelProperty channel="Y" name="resolution" value="28.3464566929134" units="1/cm"/>
         </inkml:channelProperties>
       </inkml:inkSource>
-      <inkml:timestamp xml:id="ts0" timeString="2020-08-02T18:22:15"/>
+      <inkml:timestamp xml:id="ts0" timeString="2020-08-03T23:35:44"/>
     </inkml:context>
     <inkml:brush xml:id="br0">
       <inkml:brushProperty name="width" value="0.09701" units="cm"/>
@@ -1115,7 +1116,7 @@
           <inkml:channelProperty channel="Y" name="resolution" value="28.3464566929134" units="1/cm"/>
         </inkml:channelProperties>
       </inkml:inkSource>
-      <inkml:timestamp xml:id="ts0" timeString="2020-08-02T18:22:15"/>
+      <inkml:timestamp xml:id="ts0" timeString="2020-08-03T23:35:44"/>
     </inkml:context>
     <inkml:brush xml:id="br0">
       <inkml:brushProperty name="width" value="0.09701" units="cm"/>
@@ -1142,7 +1143,7 @@
           <inkml:channelProperty channel="Y" name="resolution" value="28.3464566929134" units="1/cm"/>
         </inkml:channelProperties>
       </inkml:inkSource>
-      <inkml:timestamp xml:id="ts0" timeString="2020-08-02T18:22:15"/>
+      <inkml:timestamp xml:id="ts0" timeString="2020-08-03T23:35:44"/>
     </inkml:context>
     <inkml:brush xml:id="br0">
       <inkml:brushProperty name="width" value="0.09701" units="cm"/>
@@ -1169,7 +1170,7 @@
           <inkml:channelProperty channel="Y" name="resolution" value="28.3464566929134" units="1/cm"/>
         </inkml:channelProperties>
       </inkml:inkSource>
-      <inkml:timestamp xml:id="ts0" timeString="2020-08-02T18:22:15"/>
+      <inkml:timestamp xml:id="ts0" timeString="2020-08-03T23:35:44"/>
     </inkml:context>
     <inkml:brush xml:id="br0">
       <inkml:brushProperty name="width" value="0.09701" units="cm"/>
@@ -1196,7 +1197,7 @@
           <inkml:channelProperty channel="Y" name="resolution" value="28.3464566929134" units="1/cm"/>
         </inkml:channelProperties>
       </inkml:inkSource>
-      <inkml:timestamp xml:id="ts0" timeString="2020-08-02T18:22:15"/>
+      <inkml:timestamp xml:id="ts0" timeString="2020-08-03T23:35:44"/>
     </inkml:context>
     <inkml:brush xml:id="br0">
       <inkml:brushProperty name="width" value="0.09701" units="cm"/>
@@ -1223,7 +1224,7 @@
           <inkml:channelProperty channel="Y" name="resolution" value="28.3464566929134" units="1/cm"/>
         </inkml:channelProperties>
       </inkml:inkSource>
-      <inkml:timestamp xml:id="ts0" timeString="2020-08-02T18:22:15"/>
+      <inkml:timestamp xml:id="ts0" timeString="2020-08-03T23:35:44"/>
     </inkml:context>
     <inkml:brush xml:id="br0">
       <inkml:brushProperty name="width" value="0.09701" units="cm"/>
@@ -1250,7 +1251,7 @@
           <inkml:channelProperty channel="Y" name="resolution" value="28.3464566929134" units="1/cm"/>
         </inkml:channelProperties>
       </inkml:inkSource>
-      <inkml:timestamp xml:id="ts0" timeString="2020-08-02T18:22:15"/>
+      <inkml:timestamp xml:id="ts0" timeString="2020-08-03T23:35:44"/>
     </inkml:context>
     <inkml:brush xml:id="br0">
       <inkml:brushProperty name="width" value="0.09701" units="cm"/>
@@ -1277,7 +1278,7 @@
           <inkml:channelProperty channel="Y" name="resolution" value="28.3464566929134" units="1/cm"/>
         </inkml:channelProperties>
       </inkml:inkSource>
-      <inkml:timestamp xml:id="ts0" timeString="2020-08-02T18:22:15"/>
+      <inkml:timestamp xml:id="ts0" timeString="2020-08-03T23:35:44"/>
     </inkml:context>
     <inkml:brush xml:id="br0">
       <inkml:brushProperty name="width" value="0.09701" units="cm"/>
@@ -4366,6 +4367,50 @@
 </file>
 
 <file path=ppt/notesSlides/notesSlide66.xml><?xml version="1.0" encoding="utf-8"?>
+<p:notes xmlns:a="http://schemas.openxmlformats.org/drawingml/2006/main" xmlns:r="http://schemas.openxmlformats.org/officeDocument/2006/relationships" xmlns:p="http://schemas.openxmlformats.org/presentationml/2006/main">
+  <p:cSld>
+    <p:spTree>
+      <p:nvGrpSpPr>
+        <p:cNvPr id="1" name=""/>
+        <p:cNvGrpSpPr/>
+        <p:nvPr/>
+      </p:nvGrpSpPr>
+      <p:grpSpPr/>
+      <p:sp>
+        <p:nvSpPr>
+          <p:cNvPr id="2" name="幻灯片图像占位符 1"/>
+          <p:cNvSpPr/>
+          <p:nvPr>
+            <p:ph type="sldImg" idx="2"/>
+          </p:nvPr>
+        </p:nvSpPr>
+        <p:spPr/>
+      </p:sp>
+      <p:sp>
+        <p:nvSpPr>
+          <p:cNvPr id="3" name="文本占位符 2"/>
+          <p:cNvSpPr/>
+          <p:nvPr>
+            <p:ph type="body" idx="3"/>
+          </p:nvPr>
+        </p:nvSpPr>
+        <p:spPr/>
+        <p:txBody>
+          <a:bodyPr/>
+          <a:p>
+            <a:endParaRPr lang="zh-CN" altLang="en-US"/>
+          </a:p>
+        </p:txBody>
+      </p:sp>
+    </p:spTree>
+  </p:cSld>
+  <p:clrMapOvr>
+    <a:masterClrMapping/>
+  </p:clrMapOvr>
+</p:notes>
+</file>
+
+<file path=ppt/notesSlides/notesSlide67.xml><?xml version="1.0" encoding="utf-8"?>
 <p:notes xmlns:a="http://schemas.openxmlformats.org/drawingml/2006/main" xmlns:r="http://schemas.openxmlformats.org/officeDocument/2006/relationships" xmlns:p="http://schemas.openxmlformats.org/presentationml/2006/main">
   <p:cSld>
     <p:spTree>
@@ -49367,6 +49412,143 @@
                 </a:solidFill>
               </a:rPr>
               <a:t>实现向量近邻搜索</a:t>
+            </a:r>
+            <a:endParaRPr sz="5400">
+              <a:solidFill>
+                <a:srgbClr val="C00000"/>
+              </a:solidFill>
+            </a:endParaRPr>
+          </a:p>
+        </p:txBody>
+      </p:sp>
+    </p:spTree>
+  </p:cSld>
+  <p:clrMapOvr>
+    <a:masterClrMapping/>
+  </p:clrMapOvr>
+</p:sld>
+</file>
+
+<file path=ppt/slides/slide76.xml><?xml version="1.0" encoding="utf-8"?>
+<p:sld xmlns:a="http://schemas.openxmlformats.org/drawingml/2006/main" xmlns:r="http://schemas.openxmlformats.org/officeDocument/2006/relationships" xmlns:p="http://schemas.openxmlformats.org/presentationml/2006/main">
+  <p:cSld>
+    <p:bg>
+      <p:bgPr>
+        <a:noFill/>
+        <a:effectLst/>
+      </p:bgPr>
+    </p:bg>
+    <p:spTree>
+      <p:nvGrpSpPr>
+        <p:cNvPr id="1" name=""/>
+        <p:cNvGrpSpPr/>
+        <p:nvPr/>
+      </p:nvGrpSpPr>
+      <p:grpSpPr/>
+      <p:sp>
+        <p:nvSpPr>
+          <p:cNvPr id="2" name="标题 1"/>
+          <p:cNvSpPr>
+            <a:spLocks noGrp="1"/>
+          </p:cNvSpPr>
+          <p:nvPr>
+            <p:ph type="ctrTitle"/>
+          </p:nvPr>
+        </p:nvSpPr>
+        <p:spPr>
+          <a:xfrm>
+            <a:off x="2257425" y="1445260"/>
+            <a:ext cx="7677150" cy="3967480"/>
+          </a:xfrm>
+        </p:spPr>
+        <p:txBody>
+          <a:bodyPr>
+            <a:noAutofit/>
+          </a:bodyPr>
+          <a:p>
+            <a:pPr algn="ctr">
+              <a:lnSpc>
+                <a:spcPct val="150000"/>
+              </a:lnSpc>
+            </a:pPr>
+            <a:r>
+              <a:rPr lang="zh-CN" sz="5400">
+                <a:solidFill>
+                  <a:srgbClr val="C00000"/>
+                </a:solidFill>
+              </a:rPr>
+              <a:t>推荐系统 </a:t>
+            </a:r>
+            <a:r>
+              <a:rPr lang="en-US" altLang="zh-CN" sz="5400">
+                <a:solidFill>
+                  <a:srgbClr val="C00000"/>
+                </a:solidFill>
+              </a:rPr>
+              <a:t>- </a:t>
+            </a:r>
+            <a:r>
+              <a:rPr lang="zh-CN" altLang="en-US" sz="5400">
+                <a:solidFill>
+                  <a:srgbClr val="C00000"/>
+                </a:solidFill>
+              </a:rPr>
+              <a:t>实战</a:t>
+            </a:r>
+            <a:br>
+              <a:rPr lang="zh-CN" sz="5400">
+                <a:solidFill>
+                  <a:srgbClr val="C00000"/>
+                </a:solidFill>
+              </a:rPr>
+            </a:br>
+            <a:r>
+              <a:rPr lang="en-US" sz="5400">
+                <a:solidFill>
+                  <a:srgbClr val="C00000"/>
+                </a:solidFill>
+              </a:rPr>
+              <a:t>Python</a:t>
+            </a:r>
+            <a:r>
+              <a:rPr sz="5400">
+                <a:solidFill>
+                  <a:srgbClr val="C00000"/>
+                </a:solidFill>
+              </a:rPr>
+              <a:t>使用flask实现</a:t>
+            </a:r>
+            <a:br>
+              <a:rPr sz="5400">
+                <a:solidFill>
+                  <a:srgbClr val="C00000"/>
+                </a:solidFill>
+              </a:rPr>
+            </a:br>
+            <a:r>
+              <a:rPr sz="5400">
+                <a:solidFill>
+                  <a:srgbClr val="C00000"/>
+                </a:solidFill>
+              </a:rPr>
+              <a:t>推荐系统</a:t>
+            </a:r>
+            <a:r>
+              <a:rPr sz="5400">
+                <a:solidFill>
+                  <a:srgbClr val="C00000"/>
+                </a:solidFill>
+                <a:sym typeface="+mn-ea"/>
+              </a:rPr>
+              <a:t>在线</a:t>
+            </a:r>
+            <a:r>
+              <a:rPr sz="5400">
+                <a:solidFill>
+                  <a:srgbClr val="C00000"/>
+                </a:solidFill>
+              </a:rPr>
+              <a:t>API</a:t>
             </a:r>
             <a:endParaRPr sz="5400">
               <a:solidFill>
